--- a/week3/Photodetachment Rate at Saturn - Draft.pptx
+++ b/week3/Photodetachment Rate at Saturn - Draft.pptx
@@ -3477,7 +3477,7 @@
         </p:blipFill>
         <p:spPr>
           <a:xfrm>
-            <a:off x="6610985" y="3179445"/>
+            <a:off x="6610350" y="3496945"/>
             <a:ext cx="4484370" cy="2989580"/>
           </a:xfrm>
           <a:prstGeom prst="rect">
@@ -3501,7 +3501,7 @@
         </p:blipFill>
         <p:spPr>
           <a:xfrm>
-            <a:off x="6610985" y="98425"/>
+            <a:off x="6610350" y="578485"/>
             <a:ext cx="4483735" cy="2988945"/>
           </a:xfrm>
           <a:prstGeom prst="rect">
@@ -3525,7 +3525,7 @@
         </p:blipFill>
         <p:spPr>
           <a:xfrm>
-            <a:off x="1186180" y="3179445"/>
+            <a:off x="1186180" y="3496945"/>
             <a:ext cx="4484370" cy="2989580"/>
           </a:xfrm>
           <a:prstGeom prst="rect">
@@ -3595,7 +3595,7 @@
         <p:spPr>
           <a:xfrm>
             <a:off x="838200" y="2028825"/>
-            <a:ext cx="4276725" cy="4525645"/>
+            <a:ext cx="3449955" cy="727710"/>
           </a:xfrm>
         </p:spPr>
         <p:txBody>
@@ -3607,8 +3607,242 @@
             </a:r>
             <a:endParaRPr lang="en-US" altLang="zh-CN" sz="1600"/>
           </a:p>
-        </p:txBody>
-      </p:sp>
+          <a:p>
+            <a:endParaRPr lang="en-US" altLang="zh-CN" sz="1600"/>
+          </a:p>
+          <a:p>
+            <a:endParaRPr lang="en-US" altLang="zh-CN" sz="1600"/>
+          </a:p>
+        </p:txBody>
+      </p:sp>
+      <p:graphicFrame>
+        <p:nvGraphicFramePr>
+          <p:cNvPr id="2" name="表格 1"/>
+          <p:cNvGraphicFramePr/>
+          <p:nvPr/>
+        </p:nvGraphicFramePr>
+        <p:xfrm>
+          <a:off x="1753870" y="2393950"/>
+          <a:ext cx="3348990" cy="1102995"/>
+        </p:xfrm>
+        <a:graphic>
+          <a:graphicData uri="http://schemas.openxmlformats.org/drawingml/2006/table">
+            <a:tbl>
+              <a:tblPr firstRow="1" bandRow="1">
+                <a:tableStyleId>{5C22544A-7EE6-4342-B048-85BDC9FD1C3A}</a:tableStyleId>
+              </a:tblPr>
+              <a:tblGrid>
+                <a:gridCol w="1166495"/>
+                <a:gridCol w="716915"/>
+                <a:gridCol w="697230"/>
+                <a:gridCol w="768350"/>
+              </a:tblGrid>
+              <a:tr h="367665">
+                <a:tc>
+                  <a:txBody>
+                    <a:bodyPr/>
+                    <a:p>
+                      <a:pPr>
+                        <a:buNone/>
+                      </a:pPr>
+                      <a:r>
+                        <a:rPr lang="en-US" altLang="zh-CN" sz="1600"/>
+                        <a:t>Chemical</a:t>
+                      </a:r>
+                      <a:endParaRPr lang="en-US" altLang="zh-CN" sz="1600"/>
+                    </a:p>
+                  </a:txBody>
+                  <a:tcPr/>
+                </a:tc>
+                <a:tc>
+                  <a:txBody>
+                    <a:bodyPr/>
+                    <a:p>
+                      <a:pPr>
+                        <a:buNone/>
+                      </a:pPr>
+                      <a:r>
+                        <a:rPr lang="en-US" altLang="zh-CN" sz="1600"/>
+                        <a:t>H-</a:t>
+                      </a:r>
+                      <a:endParaRPr lang="en-US" altLang="zh-CN" sz="1600"/>
+                    </a:p>
+                  </a:txBody>
+                  <a:tcPr/>
+                </a:tc>
+                <a:tc>
+                  <a:txBody>
+                    <a:bodyPr/>
+                    <a:p>
+                      <a:pPr>
+                        <a:buNone/>
+                      </a:pPr>
+                      <a:r>
+                        <a:rPr lang="en-US" altLang="zh-CN" sz="1600"/>
+                        <a:t>O-</a:t>
+                      </a:r>
+                      <a:endParaRPr lang="en-US" altLang="zh-CN" sz="1600"/>
+                    </a:p>
+                  </a:txBody>
+                  <a:tcPr/>
+                </a:tc>
+                <a:tc>
+                  <a:txBody>
+                    <a:bodyPr/>
+                    <a:p>
+                      <a:pPr>
+                        <a:buNone/>
+                      </a:pPr>
+                      <a:r>
+                        <a:rPr lang="en-US" altLang="zh-CN" sz="1600"/>
+                        <a:t>OH-</a:t>
+                      </a:r>
+                      <a:endParaRPr lang="en-US" altLang="zh-CN" sz="1600"/>
+                    </a:p>
+                  </a:txBody>
+                  <a:tcPr/>
+                </a:tc>
+              </a:tr>
+              <a:tr h="367665">
+                <a:tc>
+                  <a:txBody>
+                    <a:bodyPr/>
+                    <a:p>
+                      <a:pPr>
+                        <a:buNone/>
+                      </a:pPr>
+                      <a:r>
+                        <a:rPr lang="en-US" altLang="zh-CN" sz="1600"/>
+                        <a:t>Model rate </a:t>
+                      </a:r>
+                      <a:endParaRPr lang="en-US" altLang="zh-CN" sz="1600"/>
+                    </a:p>
+                  </a:txBody>
+                  <a:tcPr/>
+                </a:tc>
+                <a:tc>
+                  <a:txBody>
+                    <a:bodyPr/>
+                    <a:p>
+                      <a:pPr>
+                        <a:buNone/>
+                      </a:pPr>
+                      <a:r>
+                        <a:rPr lang="zh-CN" altLang="en-US" sz="1600"/>
+                        <a:t> 3.1</a:t>
+                      </a:r>
+                      <a:r>
+                        <a:rPr lang="en-US" altLang="zh-CN" sz="1600"/>
+                        <a:t>7</a:t>
+                      </a:r>
+                      <a:endParaRPr lang="en-US" altLang="zh-CN" sz="1600"/>
+                    </a:p>
+                  </a:txBody>
+                  <a:tcPr/>
+                </a:tc>
+                <a:tc>
+                  <a:txBody>
+                    <a:bodyPr/>
+                    <a:p>
+                      <a:pPr>
+                        <a:buNone/>
+                      </a:pPr>
+                      <a:r>
+                        <a:rPr lang="en-US" sz="1600"/>
+                        <a:t>1.44</a:t>
+                      </a:r>
+                      <a:endParaRPr lang="en-US" sz="1600"/>
+                    </a:p>
+                  </a:txBody>
+                  <a:tcPr/>
+                </a:tc>
+                <a:tc>
+                  <a:txBody>
+                    <a:bodyPr/>
+                    <a:p>
+                      <a:pPr>
+                        <a:buNone/>
+                      </a:pPr>
+                      <a:r>
+                        <a:rPr lang="en-US" altLang="zh-CN" sz="1600"/>
+                        <a:t>2.59</a:t>
+                      </a:r>
+                      <a:endParaRPr lang="en-US" altLang="zh-CN" sz="1600"/>
+                    </a:p>
+                  </a:txBody>
+                  <a:tcPr/>
+                </a:tc>
+              </a:tr>
+              <a:tr h="367665">
+                <a:tc>
+                  <a:txBody>
+                    <a:bodyPr/>
+                    <a:p>
+                      <a:pPr>
+                        <a:buNone/>
+                      </a:pPr>
+                      <a:r>
+                        <a:rPr lang="en-US" altLang="zh-CN" sz="1600"/>
+                        <a:t>Actual  rate</a:t>
+                      </a:r>
+                      <a:endParaRPr lang="en-US" altLang="zh-CN" sz="1600"/>
+                    </a:p>
+                  </a:txBody>
+                  <a:tcPr/>
+                </a:tc>
+                <a:tc>
+                  <a:txBody>
+                    <a:bodyPr/>
+                    <a:p>
+                      <a:pPr>
+                        <a:buNone/>
+                      </a:pPr>
+                      <a:r>
+                        <a:rPr lang="en-US" altLang="zh-CN" sz="1600"/>
+                        <a:t>14.2</a:t>
+                      </a:r>
+                      <a:endParaRPr lang="en-US" altLang="zh-CN" sz="1600"/>
+                    </a:p>
+                  </a:txBody>
+                  <a:tcPr/>
+                </a:tc>
+                <a:tc>
+                  <a:txBody>
+                    <a:bodyPr/>
+                    <a:p>
+                      <a:pPr>
+                        <a:buNone/>
+                      </a:pPr>
+                      <a:r>
+                        <a:rPr lang="en-US" altLang="en-US" sz="1600"/>
+                        <a:t>1.77</a:t>
+                      </a:r>
+                      <a:endParaRPr lang="en-US" altLang="en-US" sz="1600"/>
+                    </a:p>
+                  </a:txBody>
+                  <a:tcPr/>
+                </a:tc>
+                <a:tc>
+                  <a:txBody>
+                    <a:bodyPr/>
+                    <a:p>
+                      <a:pPr>
+                        <a:buNone/>
+                      </a:pPr>
+                      <a:r>
+                        <a:rPr lang="en-US" altLang="zh-CN" sz="1600"/>
+                        <a:t>0.86</a:t>
+                      </a:r>
+                      <a:endParaRPr lang="en-US" altLang="zh-CN" sz="1600"/>
+                    </a:p>
+                  </a:txBody>
+                  <a:tcPr/>
+                </a:tc>
+              </a:tr>
+            </a:tbl>
+          </a:graphicData>
+        </a:graphic>
+      </p:graphicFrame>
     </p:spTree>
   </p:cSld>
   <p:clrMapOvr>

--- a/week3/Photodetachment Rate at Saturn - Draft.pptx
+++ b/week3/Photodetachment Rate at Saturn - Draft.pptx
@@ -5,22 +5,22 @@
     <p:sldMasterId id="2147483648" r:id="rId1"/>
   </p:sldMasterIdLst>
   <p:sldIdLst>
-    <p:sldId id="256" r:id="rId3"/>
-    <p:sldId id="257" r:id="rId4"/>
-    <p:sldId id="261" r:id="rId5"/>
-    <p:sldId id="262" r:id="rId6"/>
-    <p:sldId id="270" r:id="rId7"/>
-    <p:sldId id="275" r:id="rId8"/>
-    <p:sldId id="276" r:id="rId9"/>
-    <p:sldId id="258" r:id="rId10"/>
-    <p:sldId id="259" r:id="rId11"/>
-    <p:sldId id="260" r:id="rId12"/>
-    <p:sldId id="271" r:id="rId13"/>
-    <p:sldId id="282" r:id="rId14"/>
-    <p:sldId id="285" r:id="rId15"/>
-    <p:sldId id="283" r:id="rId16"/>
-    <p:sldId id="284" r:id="rId17"/>
-    <p:sldId id="288" r:id="rId18"/>
+    <p:sldId id="256" r:id="rId2"/>
+    <p:sldId id="257" r:id="rId3"/>
+    <p:sldId id="261" r:id="rId4"/>
+    <p:sldId id="262" r:id="rId5"/>
+    <p:sldId id="270" r:id="rId6"/>
+    <p:sldId id="275" r:id="rId7"/>
+    <p:sldId id="276" r:id="rId8"/>
+    <p:sldId id="258" r:id="rId9"/>
+    <p:sldId id="259" r:id="rId10"/>
+    <p:sldId id="260" r:id="rId11"/>
+    <p:sldId id="271" r:id="rId12"/>
+    <p:sldId id="282" r:id="rId13"/>
+    <p:sldId id="285" r:id="rId14"/>
+    <p:sldId id="283" r:id="rId15"/>
+    <p:sldId id="284" r:id="rId16"/>
+    <p:sldId id="288" r:id="rId17"/>
   </p:sldIdLst>
   <p:sldSz cx="12192000" cy="6858000"/>
   <p:notesSz cx="6858000" cy="9144000"/>
@@ -119,6 +119,11 @@
       </a:defRPr>
     </a:lvl9pPr>
   </p:defaultTextStyle>
+  <p:extLst>
+    <p:ext uri="{EFAFB233-063F-42B5-8137-9DF3F51BA10A}">
+      <p15:sldGuideLst xmlns:p15="http://schemas.microsoft.com/office/powerpoint/2012/main"/>
+    </p:ext>
+  </p:extLst>
 </p:presentation>
 </file>
 
@@ -253,6 +258,7 @@
           <a:p>
             <a:fld id="{D997B5FA-0921-464F-AAE1-844C04324D75}" type="datetimeFigureOut">
               <a:rPr lang="zh-CN" altLang="en-US" smtClean="0"/>
+              <a:t>2018/5/29</a:t>
             </a:fld>
             <a:endParaRPr lang="zh-CN" altLang="en-US"/>
           </a:p>
@@ -294,6 +300,7 @@
           <a:p>
             <a:fld id="{565CE74E-AB26-4998-AD42-012C4C1AD076}" type="slidenum">
               <a:rPr lang="zh-CN" altLang="en-US" smtClean="0"/>
+              <a:t>‹#›</a:t>
             </a:fld>
             <a:endParaRPr lang="zh-CN" altLang="en-US"/>
           </a:p>
@@ -367,7 +374,6 @@
               <a:rPr lang="zh-CN" altLang="en-US" smtClean="0"/>
               <a:t>单击此处编辑母版文本样式</a:t>
             </a:r>
-            <a:endParaRPr lang="zh-CN" altLang="en-US" smtClean="0"/>
           </a:p>
           <a:p>
             <a:pPr lvl="1"/>
@@ -375,7 +381,6 @@
               <a:rPr lang="zh-CN" altLang="en-US" smtClean="0"/>
               <a:t>第二级</a:t>
             </a:r>
-            <a:endParaRPr lang="zh-CN" altLang="en-US" smtClean="0"/>
           </a:p>
           <a:p>
             <a:pPr lvl="2"/>
@@ -383,7 +388,6 @@
               <a:rPr lang="zh-CN" altLang="en-US" smtClean="0"/>
               <a:t>第三级</a:t>
             </a:r>
-            <a:endParaRPr lang="zh-CN" altLang="en-US" smtClean="0"/>
           </a:p>
           <a:p>
             <a:pPr lvl="3"/>
@@ -391,7 +395,6 @@
               <a:rPr lang="zh-CN" altLang="en-US" smtClean="0"/>
               <a:t>第四级</a:t>
             </a:r>
-            <a:endParaRPr lang="zh-CN" altLang="en-US" smtClean="0"/>
           </a:p>
           <a:p>
             <a:pPr lvl="4"/>
@@ -420,6 +423,7 @@
           <a:p>
             <a:fld id="{D997B5FA-0921-464F-AAE1-844C04324D75}" type="datetimeFigureOut">
               <a:rPr lang="zh-CN" altLang="en-US" smtClean="0"/>
+              <a:t>2018/5/29</a:t>
             </a:fld>
             <a:endParaRPr lang="zh-CN" altLang="en-US"/>
           </a:p>
@@ -461,6 +465,7 @@
           <a:p>
             <a:fld id="{565CE74E-AB26-4998-AD42-012C4C1AD076}" type="slidenum">
               <a:rPr lang="zh-CN" altLang="en-US" smtClean="0"/>
+              <a:t>‹#›</a:t>
             </a:fld>
             <a:endParaRPr lang="zh-CN" altLang="en-US"/>
           </a:p>
@@ -544,7 +549,6 @@
               <a:rPr lang="zh-CN" altLang="en-US" smtClean="0"/>
               <a:t>单击此处编辑母版文本样式</a:t>
             </a:r>
-            <a:endParaRPr lang="zh-CN" altLang="en-US" smtClean="0"/>
           </a:p>
           <a:p>
             <a:pPr lvl="1"/>
@@ -552,7 +556,6 @@
               <a:rPr lang="zh-CN" altLang="en-US" smtClean="0"/>
               <a:t>第二级</a:t>
             </a:r>
-            <a:endParaRPr lang="zh-CN" altLang="en-US" smtClean="0"/>
           </a:p>
           <a:p>
             <a:pPr lvl="2"/>
@@ -560,7 +563,6 @@
               <a:rPr lang="zh-CN" altLang="en-US" smtClean="0"/>
               <a:t>第三级</a:t>
             </a:r>
-            <a:endParaRPr lang="zh-CN" altLang="en-US" smtClean="0"/>
           </a:p>
           <a:p>
             <a:pPr lvl="3"/>
@@ -568,7 +570,6 @@
               <a:rPr lang="zh-CN" altLang="en-US" smtClean="0"/>
               <a:t>第四级</a:t>
             </a:r>
-            <a:endParaRPr lang="zh-CN" altLang="en-US" smtClean="0"/>
           </a:p>
           <a:p>
             <a:pPr lvl="4"/>
@@ -597,6 +598,7 @@
           <a:p>
             <a:fld id="{D997B5FA-0921-464F-AAE1-844C04324D75}" type="datetimeFigureOut">
               <a:rPr lang="zh-CN" altLang="en-US" smtClean="0"/>
+              <a:t>2018/5/29</a:t>
             </a:fld>
             <a:endParaRPr lang="zh-CN" altLang="en-US"/>
           </a:p>
@@ -638,6 +640,7 @@
           <a:p>
             <a:fld id="{565CE74E-AB26-4998-AD42-012C4C1AD076}" type="slidenum">
               <a:rPr lang="zh-CN" altLang="en-US" smtClean="0"/>
+              <a:t>‹#›</a:t>
             </a:fld>
             <a:endParaRPr lang="zh-CN" altLang="en-US"/>
           </a:p>
@@ -711,7 +714,6 @@
               <a:rPr lang="zh-CN" altLang="en-US" smtClean="0"/>
               <a:t>单击此处编辑母版文本样式</a:t>
             </a:r>
-            <a:endParaRPr lang="zh-CN" altLang="en-US" smtClean="0"/>
           </a:p>
           <a:p>
             <a:pPr lvl="1"/>
@@ -719,7 +721,6 @@
               <a:rPr lang="zh-CN" altLang="en-US" smtClean="0"/>
               <a:t>第二级</a:t>
             </a:r>
-            <a:endParaRPr lang="zh-CN" altLang="en-US" smtClean="0"/>
           </a:p>
           <a:p>
             <a:pPr lvl="2"/>
@@ -727,7 +728,6 @@
               <a:rPr lang="zh-CN" altLang="en-US" smtClean="0"/>
               <a:t>第三级</a:t>
             </a:r>
-            <a:endParaRPr lang="zh-CN" altLang="en-US" smtClean="0"/>
           </a:p>
           <a:p>
             <a:pPr lvl="3"/>
@@ -735,7 +735,6 @@
               <a:rPr lang="zh-CN" altLang="en-US" smtClean="0"/>
               <a:t>第四级</a:t>
             </a:r>
-            <a:endParaRPr lang="zh-CN" altLang="en-US" smtClean="0"/>
           </a:p>
           <a:p>
             <a:pPr lvl="4"/>
@@ -764,6 +763,7 @@
           <a:p>
             <a:fld id="{D997B5FA-0921-464F-AAE1-844C04324D75}" type="datetimeFigureOut">
               <a:rPr lang="zh-CN" altLang="en-US" smtClean="0"/>
+              <a:t>2018/5/29</a:t>
             </a:fld>
             <a:endParaRPr lang="zh-CN" altLang="en-US"/>
           </a:p>
@@ -805,6 +805,7 @@
           <a:p>
             <a:fld id="{565CE74E-AB26-4998-AD42-012C4C1AD076}" type="slidenum">
               <a:rPr lang="zh-CN" altLang="en-US" smtClean="0"/>
+              <a:t>‹#›</a:t>
             </a:fld>
             <a:endParaRPr lang="zh-CN" altLang="en-US"/>
           </a:p>
@@ -983,7 +984,6 @@
               <a:rPr lang="zh-CN" altLang="en-US" smtClean="0"/>
               <a:t>单击此处编辑母版文本样式</a:t>
             </a:r>
-            <a:endParaRPr lang="zh-CN" altLang="en-US" smtClean="0"/>
           </a:p>
         </p:txBody>
       </p:sp>
@@ -1004,6 +1004,7 @@
           <a:p>
             <a:fld id="{D997B5FA-0921-464F-AAE1-844C04324D75}" type="datetimeFigureOut">
               <a:rPr lang="zh-CN" altLang="en-US" smtClean="0"/>
+              <a:t>2018/5/29</a:t>
             </a:fld>
             <a:endParaRPr lang="zh-CN" altLang="en-US"/>
           </a:p>
@@ -1045,6 +1046,7 @@
           <a:p>
             <a:fld id="{565CE74E-AB26-4998-AD42-012C4C1AD076}" type="slidenum">
               <a:rPr lang="zh-CN" altLang="en-US" smtClean="0"/>
+              <a:t>‹#›</a:t>
             </a:fld>
             <a:endParaRPr lang="zh-CN" altLang="en-US"/>
           </a:p>
@@ -1123,7 +1125,6 @@
               <a:rPr lang="zh-CN" altLang="en-US" smtClean="0"/>
               <a:t>单击此处编辑母版文本样式</a:t>
             </a:r>
-            <a:endParaRPr lang="zh-CN" altLang="en-US" smtClean="0"/>
           </a:p>
           <a:p>
             <a:pPr lvl="1"/>
@@ -1131,7 +1132,6 @@
               <a:rPr lang="zh-CN" altLang="en-US" smtClean="0"/>
               <a:t>第二级</a:t>
             </a:r>
-            <a:endParaRPr lang="zh-CN" altLang="en-US" smtClean="0"/>
           </a:p>
           <a:p>
             <a:pPr lvl="2"/>
@@ -1139,7 +1139,6 @@
               <a:rPr lang="zh-CN" altLang="en-US" smtClean="0"/>
               <a:t>第三级</a:t>
             </a:r>
-            <a:endParaRPr lang="zh-CN" altLang="en-US" smtClean="0"/>
           </a:p>
           <a:p>
             <a:pPr lvl="3"/>
@@ -1147,7 +1146,6 @@
               <a:rPr lang="zh-CN" altLang="en-US" smtClean="0"/>
               <a:t>第四级</a:t>
             </a:r>
-            <a:endParaRPr lang="zh-CN" altLang="en-US" smtClean="0"/>
           </a:p>
           <a:p>
             <a:pPr lvl="4"/>
@@ -1184,7 +1182,6 @@
               <a:rPr lang="zh-CN" altLang="en-US" smtClean="0"/>
               <a:t>单击此处编辑母版文本样式</a:t>
             </a:r>
-            <a:endParaRPr lang="zh-CN" altLang="en-US" smtClean="0"/>
           </a:p>
           <a:p>
             <a:pPr lvl="1"/>
@@ -1192,7 +1189,6 @@
               <a:rPr lang="zh-CN" altLang="en-US" smtClean="0"/>
               <a:t>第二级</a:t>
             </a:r>
-            <a:endParaRPr lang="zh-CN" altLang="en-US" smtClean="0"/>
           </a:p>
           <a:p>
             <a:pPr lvl="2"/>
@@ -1200,7 +1196,6 @@
               <a:rPr lang="zh-CN" altLang="en-US" smtClean="0"/>
               <a:t>第三级</a:t>
             </a:r>
-            <a:endParaRPr lang="zh-CN" altLang="en-US" smtClean="0"/>
           </a:p>
           <a:p>
             <a:pPr lvl="3"/>
@@ -1208,7 +1203,6 @@
               <a:rPr lang="zh-CN" altLang="en-US" smtClean="0"/>
               <a:t>第四级</a:t>
             </a:r>
-            <a:endParaRPr lang="zh-CN" altLang="en-US" smtClean="0"/>
           </a:p>
           <a:p>
             <a:pPr lvl="4"/>
@@ -1237,6 +1231,7 @@
           <a:p>
             <a:fld id="{D997B5FA-0921-464F-AAE1-844C04324D75}" type="datetimeFigureOut">
               <a:rPr lang="zh-CN" altLang="en-US" smtClean="0"/>
+              <a:t>2018/5/29</a:t>
             </a:fld>
             <a:endParaRPr lang="zh-CN" altLang="en-US"/>
           </a:p>
@@ -1278,6 +1273,7 @@
           <a:p>
             <a:fld id="{565CE74E-AB26-4998-AD42-012C4C1AD076}" type="slidenum">
               <a:rPr lang="zh-CN" altLang="en-US" smtClean="0"/>
+              <a:t>‹#›</a:t>
             </a:fld>
             <a:endParaRPr lang="zh-CN" altLang="en-US"/>
           </a:p>
@@ -1398,7 +1394,6 @@
               <a:rPr lang="zh-CN" altLang="en-US" smtClean="0"/>
               <a:t>单击此处编辑母版文本样式</a:t>
             </a:r>
-            <a:endParaRPr lang="zh-CN" altLang="en-US" smtClean="0"/>
           </a:p>
         </p:txBody>
       </p:sp>
@@ -1427,7 +1422,6 @@
               <a:rPr lang="zh-CN" altLang="en-US" smtClean="0"/>
               <a:t>单击此处编辑母版文本样式</a:t>
             </a:r>
-            <a:endParaRPr lang="zh-CN" altLang="en-US" smtClean="0"/>
           </a:p>
           <a:p>
             <a:pPr lvl="1"/>
@@ -1435,7 +1429,6 @@
               <a:rPr lang="zh-CN" altLang="en-US" smtClean="0"/>
               <a:t>第二级</a:t>
             </a:r>
-            <a:endParaRPr lang="zh-CN" altLang="en-US" smtClean="0"/>
           </a:p>
           <a:p>
             <a:pPr lvl="2"/>
@@ -1443,7 +1436,6 @@
               <a:rPr lang="zh-CN" altLang="en-US" smtClean="0"/>
               <a:t>第三级</a:t>
             </a:r>
-            <a:endParaRPr lang="zh-CN" altLang="en-US" smtClean="0"/>
           </a:p>
           <a:p>
             <a:pPr lvl="3"/>
@@ -1451,7 +1443,6 @@
               <a:rPr lang="zh-CN" altLang="en-US" smtClean="0"/>
               <a:t>第四级</a:t>
             </a:r>
-            <a:endParaRPr lang="zh-CN" altLang="en-US" smtClean="0"/>
           </a:p>
           <a:p>
             <a:pPr lvl="4"/>
@@ -1525,7 +1516,6 @@
               <a:rPr lang="zh-CN" altLang="en-US" smtClean="0"/>
               <a:t>单击此处编辑母版文本样式</a:t>
             </a:r>
-            <a:endParaRPr lang="zh-CN" altLang="en-US" smtClean="0"/>
           </a:p>
         </p:txBody>
       </p:sp>
@@ -1554,7 +1544,6 @@
               <a:rPr lang="zh-CN" altLang="en-US" smtClean="0"/>
               <a:t>单击此处编辑母版文本样式</a:t>
             </a:r>
-            <a:endParaRPr lang="zh-CN" altLang="en-US" smtClean="0"/>
           </a:p>
           <a:p>
             <a:pPr lvl="1"/>
@@ -1562,7 +1551,6 @@
               <a:rPr lang="zh-CN" altLang="en-US" smtClean="0"/>
               <a:t>第二级</a:t>
             </a:r>
-            <a:endParaRPr lang="zh-CN" altLang="en-US" smtClean="0"/>
           </a:p>
           <a:p>
             <a:pPr lvl="2"/>
@@ -1570,7 +1558,6 @@
               <a:rPr lang="zh-CN" altLang="en-US" smtClean="0"/>
               <a:t>第三级</a:t>
             </a:r>
-            <a:endParaRPr lang="zh-CN" altLang="en-US" smtClean="0"/>
           </a:p>
           <a:p>
             <a:pPr lvl="3"/>
@@ -1578,7 +1565,6 @@
               <a:rPr lang="zh-CN" altLang="en-US" smtClean="0"/>
               <a:t>第四级</a:t>
             </a:r>
-            <a:endParaRPr lang="zh-CN" altLang="en-US" smtClean="0"/>
           </a:p>
           <a:p>
             <a:pPr lvl="4"/>
@@ -1607,6 +1593,7 @@
           <a:p>
             <a:fld id="{D997B5FA-0921-464F-AAE1-844C04324D75}" type="datetimeFigureOut">
               <a:rPr lang="zh-CN" altLang="en-US" smtClean="0"/>
+              <a:t>2018/5/29</a:t>
             </a:fld>
             <a:endParaRPr lang="zh-CN" altLang="en-US"/>
           </a:p>
@@ -1648,6 +1635,7 @@
           <a:p>
             <a:fld id="{565CE74E-AB26-4998-AD42-012C4C1AD076}" type="slidenum">
               <a:rPr lang="zh-CN" altLang="en-US" smtClean="0"/>
+              <a:t>‹#›</a:t>
             </a:fld>
             <a:endParaRPr lang="zh-CN" altLang="en-US"/>
           </a:p>
@@ -1718,6 +1706,7 @@
           <a:p>
             <a:fld id="{D997B5FA-0921-464F-AAE1-844C04324D75}" type="datetimeFigureOut">
               <a:rPr lang="zh-CN" altLang="en-US" smtClean="0"/>
+              <a:t>2018/5/29</a:t>
             </a:fld>
             <a:endParaRPr lang="zh-CN" altLang="en-US"/>
           </a:p>
@@ -1759,6 +1748,7 @@
           <a:p>
             <a:fld id="{565CE74E-AB26-4998-AD42-012C4C1AD076}" type="slidenum">
               <a:rPr lang="zh-CN" altLang="en-US" smtClean="0"/>
+              <a:t>‹#›</a:t>
             </a:fld>
             <a:endParaRPr lang="zh-CN" altLang="en-US"/>
           </a:p>
@@ -1806,6 +1796,7 @@
           <a:p>
             <a:fld id="{D997B5FA-0921-464F-AAE1-844C04324D75}" type="datetimeFigureOut">
               <a:rPr lang="zh-CN" altLang="en-US" smtClean="0"/>
+              <a:t>2018/5/29</a:t>
             </a:fld>
             <a:endParaRPr lang="zh-CN" altLang="en-US"/>
           </a:p>
@@ -1847,6 +1838,7 @@
           <a:p>
             <a:fld id="{565CE74E-AB26-4998-AD42-012C4C1AD076}" type="slidenum">
               <a:rPr lang="zh-CN" altLang="en-US" smtClean="0"/>
+              <a:t>‹#›</a:t>
             </a:fld>
             <a:endParaRPr lang="zh-CN" altLang="en-US"/>
           </a:p>
@@ -1962,7 +1954,6 @@
               <a:rPr lang="zh-CN" altLang="en-US" smtClean="0"/>
               <a:t>单击此处编辑母版文本样式</a:t>
             </a:r>
-            <a:endParaRPr lang="zh-CN" altLang="en-US" smtClean="0"/>
           </a:p>
           <a:p>
             <a:pPr lvl="1"/>
@@ -1970,7 +1961,6 @@
               <a:rPr lang="zh-CN" altLang="en-US" smtClean="0"/>
               <a:t>第二级</a:t>
             </a:r>
-            <a:endParaRPr lang="zh-CN" altLang="en-US" smtClean="0"/>
           </a:p>
           <a:p>
             <a:pPr lvl="2"/>
@@ -1978,7 +1968,6 @@
               <a:rPr lang="zh-CN" altLang="en-US" smtClean="0"/>
               <a:t>第三级</a:t>
             </a:r>
-            <a:endParaRPr lang="zh-CN" altLang="en-US" smtClean="0"/>
           </a:p>
           <a:p>
             <a:pPr lvl="3"/>
@@ -1986,7 +1975,6 @@
               <a:rPr lang="zh-CN" altLang="en-US" smtClean="0"/>
               <a:t>第四级</a:t>
             </a:r>
-            <a:endParaRPr lang="zh-CN" altLang="en-US" smtClean="0"/>
           </a:p>
           <a:p>
             <a:pPr lvl="4"/>
@@ -2060,7 +2048,6 @@
               <a:rPr lang="zh-CN" altLang="en-US" smtClean="0"/>
               <a:t>单击此处编辑母版文本样式</a:t>
             </a:r>
-            <a:endParaRPr lang="zh-CN" altLang="en-US" smtClean="0"/>
           </a:p>
         </p:txBody>
       </p:sp>
@@ -2081,6 +2068,7 @@
           <a:p>
             <a:fld id="{D997B5FA-0921-464F-AAE1-844C04324D75}" type="datetimeFigureOut">
               <a:rPr lang="zh-CN" altLang="en-US" smtClean="0"/>
+              <a:t>2018/5/29</a:t>
             </a:fld>
             <a:endParaRPr lang="zh-CN" altLang="en-US"/>
           </a:p>
@@ -2122,6 +2110,7 @@
           <a:p>
             <a:fld id="{565CE74E-AB26-4998-AD42-012C4C1AD076}" type="slidenum">
               <a:rPr lang="zh-CN" altLang="en-US" smtClean="0"/>
+              <a:t>‹#›</a:t>
             </a:fld>
             <a:endParaRPr lang="zh-CN" altLang="en-US"/>
           </a:p>
@@ -2307,7 +2296,6 @@
               <a:rPr lang="zh-CN" altLang="en-US" smtClean="0"/>
               <a:t>单击此处编辑母版文本样式</a:t>
             </a:r>
-            <a:endParaRPr lang="zh-CN" altLang="en-US" smtClean="0"/>
           </a:p>
         </p:txBody>
       </p:sp>
@@ -2328,6 +2316,7 @@
           <a:p>
             <a:fld id="{D997B5FA-0921-464F-AAE1-844C04324D75}" type="datetimeFigureOut">
               <a:rPr lang="zh-CN" altLang="en-US" smtClean="0"/>
+              <a:t>2018/5/29</a:t>
             </a:fld>
             <a:endParaRPr lang="zh-CN" altLang="en-US"/>
           </a:p>
@@ -2369,6 +2358,7 @@
           <a:p>
             <a:fld id="{565CE74E-AB26-4998-AD42-012C4C1AD076}" type="slidenum">
               <a:rPr lang="zh-CN" altLang="en-US" smtClean="0"/>
+              <a:t>‹#›</a:t>
             </a:fld>
             <a:endParaRPr lang="zh-CN" altLang="en-US"/>
           </a:p>
@@ -2467,7 +2457,6 @@
               <a:rPr lang="zh-CN" altLang="en-US" smtClean="0"/>
               <a:t>单击此处编辑母版文本样式</a:t>
             </a:r>
-            <a:endParaRPr lang="zh-CN" altLang="en-US" smtClean="0"/>
           </a:p>
           <a:p>
             <a:pPr lvl="1"/>
@@ -2475,7 +2464,6 @@
               <a:rPr lang="zh-CN" altLang="en-US" smtClean="0"/>
               <a:t>第二级</a:t>
             </a:r>
-            <a:endParaRPr lang="zh-CN" altLang="en-US" smtClean="0"/>
           </a:p>
           <a:p>
             <a:pPr lvl="2"/>
@@ -2483,7 +2471,6 @@
               <a:rPr lang="zh-CN" altLang="en-US" smtClean="0"/>
               <a:t>第三级</a:t>
             </a:r>
-            <a:endParaRPr lang="zh-CN" altLang="en-US" smtClean="0"/>
           </a:p>
           <a:p>
             <a:pPr lvl="3"/>
@@ -2491,7 +2478,6 @@
               <a:rPr lang="zh-CN" altLang="en-US" smtClean="0"/>
               <a:t>第四级</a:t>
             </a:r>
-            <a:endParaRPr lang="zh-CN" altLang="en-US" smtClean="0"/>
           </a:p>
           <a:p>
             <a:pPr lvl="4"/>
@@ -2538,6 +2524,7 @@
           <a:p>
             <a:fld id="{D997B5FA-0921-464F-AAE1-844C04324D75}" type="datetimeFigureOut">
               <a:rPr lang="zh-CN" altLang="en-US" smtClean="0"/>
+              <a:t>2018/5/29</a:t>
             </a:fld>
             <a:endParaRPr lang="zh-CN" altLang="en-US"/>
           </a:p>
@@ -2615,6 +2602,7 @@
           <a:p>
             <a:fld id="{565CE74E-AB26-4998-AD42-012C4C1AD076}" type="slidenum">
               <a:rPr lang="zh-CN" altLang="en-US" smtClean="0"/>
+              <a:t>‹#›</a:t>
             </a:fld>
             <a:endParaRPr lang="zh-CN" altLang="en-US"/>
           </a:p>
@@ -2928,7 +2916,14 @@
         <p:cNvGrpSpPr/>
         <p:nvPr/>
       </p:nvGrpSpPr>
-      <p:grpSpPr/>
+      <p:grpSpPr>
+        <a:xfrm>
+          <a:off x="0" y="0"/>
+          <a:ext cx="0" cy="0"/>
+          <a:chOff x="0" y="0"/>
+          <a:chExt cx="0" cy="0"/>
+        </a:xfrm>
+      </p:grpSpPr>
       <p:sp>
         <p:nvSpPr>
           <p:cNvPr id="2" name="标题 1"/>
@@ -2942,12 +2937,12 @@
         <p:spPr/>
         <p:txBody>
           <a:bodyPr/>
+          <a:lstStyle/>
           <a:p>
             <a:r>
               <a:rPr lang="en-US" altLang="zh-CN"/>
               <a:t>1st Year Project</a:t>
             </a:r>
-            <a:endParaRPr lang="en-US" altLang="zh-CN"/>
           </a:p>
         </p:txBody>
       </p:sp>
@@ -2964,19 +2959,18 @@
         <p:spPr/>
         <p:txBody>
           <a:bodyPr/>
+          <a:lstStyle/>
           <a:p>
             <a:r>
               <a:rPr lang="en-US" altLang="zh-CN"/>
               <a:t>Photodetachment Rates at Saturn</a:t>
             </a:r>
-            <a:endParaRPr lang="en-US" altLang="zh-CN"/>
           </a:p>
           <a:p>
             <a:r>
               <a:rPr lang="en-US" altLang="zh-CN"/>
               <a:t>up to week 2</a:t>
             </a:r>
-            <a:endParaRPr lang="en-US" altLang="zh-CN"/>
           </a:p>
         </p:txBody>
       </p:sp>
@@ -2997,7 +2991,14 @@
         <p:cNvGrpSpPr/>
         <p:nvPr/>
       </p:nvGrpSpPr>
-      <p:grpSpPr/>
+      <p:grpSpPr>
+        <a:xfrm>
+          <a:off x="0" y="0"/>
+          <a:ext cx="0" cy="0"/>
+          <a:chOff x="0" y="0"/>
+          <a:chExt cx="0" cy="0"/>
+        </a:xfrm>
+      </p:grpSpPr>
       <p:pic>
         <p:nvPicPr>
           <p:cNvPr id="9" name="图片 8" descr="hl"/>
@@ -3007,7 +3008,7 @@
           <p:nvPr/>
         </p:nvPicPr>
         <p:blipFill>
-          <a:blip r:embed="rId1"/>
+          <a:blip r:embed="rId2"/>
           <a:stretch>
             <a:fillRect/>
           </a:stretch>
@@ -3040,6 +3041,7 @@
         </p:spPr>
         <p:txBody>
           <a:bodyPr/>
+          <a:lstStyle/>
           <a:p>
             <a:r>
               <a:rPr lang="en-US" altLang="zh-CN">
@@ -3064,26 +3066,24 @@
         <p:spPr/>
         <p:txBody>
           <a:bodyPr/>
+          <a:lstStyle/>
           <a:p>
             <a:r>
               <a:rPr lang="en-US" altLang="zh-CN"/>
               <a:t>First grey line = at Earth</a:t>
             </a:r>
-            <a:endParaRPr lang="en-US" altLang="zh-CN"/>
           </a:p>
           <a:p>
             <a:r>
               <a:rPr lang="en-US" altLang="zh-CN"/>
               <a:t>Second grey line = at Jupiter</a:t>
             </a:r>
-            <a:endParaRPr lang="en-US" altLang="zh-CN"/>
           </a:p>
           <a:p>
             <a:r>
               <a:rPr lang="en-US" altLang="zh-CN"/>
               <a:t>Third grey line = at Saturn</a:t>
             </a:r>
-            <a:endParaRPr lang="en-US" altLang="zh-CN"/>
           </a:p>
         </p:txBody>
       </p:sp>
@@ -3091,14 +3091,14 @@
         <p:nvPicPr>
           <p:cNvPr id="2" name="图片占位符 1"/>
           <p:cNvPicPr>
-            <a:picLocks noChangeAspect="1"/>
+            <a:picLocks noGrp="1" noChangeAspect="1"/>
           </p:cNvPicPr>
           <p:nvPr>
             <p:ph type="pic" idx="1"/>
           </p:nvPr>
         </p:nvPicPr>
         <p:blipFill>
-          <a:blip r:embed="rId2"/>
+          <a:blip r:embed="rId3"/>
           <a:stretch>
             <a:fillRect/>
           </a:stretch>
@@ -3164,6 +3164,7 @@
         </p:style>
         <p:txBody>
           <a:bodyPr rtlCol="0" anchor="ctr"/>
+          <a:lstStyle/>
           <a:p>
             <a:pPr algn="ctr"/>
             <a:endParaRPr lang="zh-CN" altLang="en-US"/>
@@ -3223,7 +3224,14 @@
         <p:cNvGrpSpPr/>
         <p:nvPr/>
       </p:nvGrpSpPr>
-      <p:grpSpPr/>
+      <p:grpSpPr>
+        <a:xfrm>
+          <a:off x="0" y="0"/>
+          <a:ext cx="0" cy="0"/>
+          <a:chOff x="0" y="0"/>
+          <a:chExt cx="0" cy="0"/>
+        </a:xfrm>
+      </p:grpSpPr>
       <p:sp>
         <p:nvSpPr>
           <p:cNvPr id="2" name="标题 1"/>
@@ -3237,12 +3245,12 @@
         <p:spPr/>
         <p:txBody>
           <a:bodyPr/>
+          <a:lstStyle/>
           <a:p>
             <a:r>
               <a:rPr lang="en-US" altLang="zh-CN"/>
               <a:t>Comparison</a:t>
             </a:r>
-            <a:endParaRPr lang="en-US" altLang="zh-CN"/>
           </a:p>
         </p:txBody>
       </p:sp>
@@ -3259,12 +3267,12 @@
         <p:spPr/>
         <p:txBody>
           <a:bodyPr/>
+          <a:lstStyle/>
           <a:p>
             <a:r>
               <a:rPr lang="en-US" altLang="zh-CN"/>
               <a:t>We compared H-, O- and OH-</a:t>
             </a:r>
-            <a:endParaRPr lang="en-US" altLang="zh-CN"/>
           </a:p>
         </p:txBody>
       </p:sp>
@@ -3277,7 +3285,7 @@
           <p:nvPr/>
         </p:nvPicPr>
         <p:blipFill>
-          <a:blip r:embed="rId1"/>
+          <a:blip r:embed="rId2"/>
           <a:stretch>
             <a:fillRect/>
           </a:stretch>
@@ -3301,7 +3309,7 @@
           <p:nvPr/>
         </p:nvPicPr>
         <p:blipFill>
-          <a:blip r:embed="rId2"/>
+          <a:blip r:embed="rId3"/>
           <a:stretch>
             <a:fillRect/>
           </a:stretch>
@@ -3325,7 +3333,7 @@
           <p:nvPr/>
         </p:nvPicPr>
         <p:blipFill>
-          <a:blip r:embed="rId3"/>
+          <a:blip r:embed="rId4"/>
           <a:stretch>
             <a:fillRect/>
           </a:stretch>
@@ -3357,7 +3365,14 @@
         <p:cNvGrpSpPr/>
         <p:nvPr/>
       </p:nvGrpSpPr>
-      <p:grpSpPr/>
+      <p:grpSpPr>
+        <a:xfrm>
+          <a:off x="0" y="0"/>
+          <a:ext cx="0" cy="0"/>
+          <a:chOff x="0" y="0"/>
+          <a:chExt cx="0" cy="0"/>
+        </a:xfrm>
+      </p:grpSpPr>
       <p:sp>
         <p:nvSpPr>
           <p:cNvPr id="2" name="标题 1"/>
@@ -3371,12 +3386,12 @@
         <p:spPr/>
         <p:txBody>
           <a:bodyPr/>
+          <a:lstStyle/>
           <a:p>
             <a:r>
               <a:rPr lang="en-US" altLang="zh-CN"/>
               <a:t>3rd Week (5.24-5.31)</a:t>
             </a:r>
-            <a:endParaRPr lang="en-US" altLang="zh-CN"/>
           </a:p>
         </p:txBody>
       </p:sp>
@@ -3393,33 +3408,30 @@
         <p:spPr/>
         <p:txBody>
           <a:bodyPr/>
+          <a:lstStyle/>
           <a:p>
             <a:r>
               <a:rPr lang="en-US" altLang="zh-CN"/>
               <a:t>Aim:</a:t>
             </a:r>
-            <a:endParaRPr lang="en-US" altLang="zh-CN"/>
           </a:p>
           <a:p>
             <a:r>
               <a:rPr lang="en-US" altLang="zh-CN"/>
               <a:t>Loss rate from theory</a:t>
             </a:r>
-            <a:endParaRPr lang="en-US" altLang="zh-CN"/>
           </a:p>
           <a:p>
             <a:r>
               <a:rPr lang="en-US" altLang="zh-CN"/>
               <a:t>Another theory - loss rate</a:t>
             </a:r>
-            <a:endParaRPr lang="en-US" altLang="zh-CN"/>
           </a:p>
           <a:p>
             <a:r>
               <a:rPr lang="en-US" altLang="zh-CN"/>
               <a:t>Combine production rate and loss rate</a:t>
             </a:r>
-            <a:endParaRPr lang="en-US" altLang="zh-CN"/>
           </a:p>
           <a:p>
             <a:endParaRPr lang="en-US" altLang="zh-CN"/>
@@ -3429,14 +3441,12 @@
               <a:rPr lang="en-US" altLang="zh-CN"/>
               <a:t>In addition:</a:t>
             </a:r>
-            <a:endParaRPr lang="en-US" altLang="zh-CN"/>
           </a:p>
           <a:p>
             <a:r>
               <a:rPr lang="en-US" altLang="zh-CN"/>
               <a:t>how far does the chemical go around Saturn</a:t>
             </a:r>
-            <a:endParaRPr lang="en-US" altLang="zh-CN"/>
           </a:p>
           <a:p>
             <a:endParaRPr lang="en-US" altLang="zh-CN"/>
@@ -3460,7 +3470,14 @@
         <p:cNvGrpSpPr/>
         <p:nvPr/>
       </p:nvGrpSpPr>
-      <p:grpSpPr/>
+      <p:grpSpPr>
+        <a:xfrm>
+          <a:off x="0" y="0"/>
+          <a:ext cx="0" cy="0"/>
+          <a:chOff x="0" y="0"/>
+          <a:chExt cx="0" cy="0"/>
+        </a:xfrm>
+      </p:grpSpPr>
       <p:pic>
         <p:nvPicPr>
           <p:cNvPr id="4" name="图片 3" descr="OH-"/>
@@ -3470,7 +3487,7 @@
           <p:nvPr/>
         </p:nvPicPr>
         <p:blipFill>
-          <a:blip r:embed="rId1"/>
+          <a:blip r:embed="rId2"/>
           <a:stretch>
             <a:fillRect/>
           </a:stretch>
@@ -3494,7 +3511,7 @@
           <p:nvPr/>
         </p:nvPicPr>
         <p:blipFill>
-          <a:blip r:embed="rId2"/>
+          <a:blip r:embed="rId3"/>
           <a:stretch>
             <a:fillRect/>
           </a:stretch>
@@ -3518,7 +3535,7 @@
           <p:nvPr/>
         </p:nvPicPr>
         <p:blipFill>
-          <a:blip r:embed="rId3"/>
+          <a:blip r:embed="rId4"/>
           <a:stretch>
             <a:fillRect/>
           </a:stretch>
@@ -3578,7 +3595,6 @@
               <a:rPr lang="en-US" altLang="zh-CN"/>
               <a:t>Reaction rate plot </a:t>
             </a:r>
-            <a:endParaRPr lang="en-US" altLang="zh-CN"/>
           </a:p>
         </p:txBody>
       </p:sp>
@@ -3600,12 +3616,12 @@
         </p:spPr>
         <p:txBody>
           <a:bodyPr/>
+          <a:lstStyle/>
           <a:p>
             <a:r>
               <a:rPr lang="en-US" altLang="zh-CN" sz="1600"/>
               <a:t>According to equation E25.</a:t>
             </a:r>
-            <a:endParaRPr lang="en-US" altLang="zh-CN" sz="1600"/>
           </a:p>
           <a:p>
             <a:endParaRPr lang="en-US" altLang="zh-CN" sz="1600"/>
@@ -3619,11 +3635,17 @@
         <p:nvGraphicFramePr>
           <p:cNvPr id="2" name="表格 1"/>
           <p:cNvGraphicFramePr/>
-          <p:nvPr/>
+          <p:nvPr>
+            <p:extLst>
+              <p:ext uri="{D42A27DB-BD31-4B8C-83A1-F6EECF244321}">
+                <p14:modId xmlns:p14="http://schemas.microsoft.com/office/powerpoint/2010/main" val="4061771488"/>
+              </p:ext>
+            </p:extLst>
+          </p:nvPr>
         </p:nvGraphicFramePr>
         <p:xfrm>
           <a:off x="1753870" y="2393950"/>
-          <a:ext cx="3348990" cy="1102995"/>
+          <a:ext cx="3348990" cy="1168471"/>
         </p:xfrm>
         <a:graphic>
           <a:graphicData uri="http://schemas.openxmlformats.org/drawingml/2006/table">
@@ -3632,15 +3654,40 @@
                 <a:tableStyleId>{5C22544A-7EE6-4342-B048-85BDC9FD1C3A}</a:tableStyleId>
               </a:tblPr>
               <a:tblGrid>
-                <a:gridCol w="1166495"/>
-                <a:gridCol w="716915"/>
-                <a:gridCol w="697230"/>
-                <a:gridCol w="768350"/>
+                <a:gridCol w="1166495">
+                  <a:extLst>
+                    <a:ext uri="{9D8B030D-6E8A-4147-A177-3AD203B41FA5}">
+                      <a16:colId xmlns:a16="http://schemas.microsoft.com/office/drawing/2014/main" val="20000"/>
+                    </a:ext>
+                  </a:extLst>
+                </a:gridCol>
+                <a:gridCol w="716915">
+                  <a:extLst>
+                    <a:ext uri="{9D8B030D-6E8A-4147-A177-3AD203B41FA5}">
+                      <a16:colId xmlns:a16="http://schemas.microsoft.com/office/drawing/2014/main" val="20001"/>
+                    </a:ext>
+                  </a:extLst>
+                </a:gridCol>
+                <a:gridCol w="697230">
+                  <a:extLst>
+                    <a:ext uri="{9D8B030D-6E8A-4147-A177-3AD203B41FA5}">
+                      <a16:colId xmlns:a16="http://schemas.microsoft.com/office/drawing/2014/main" val="20002"/>
+                    </a:ext>
+                  </a:extLst>
+                </a:gridCol>
+                <a:gridCol w="768350">
+                  <a:extLst>
+                    <a:ext uri="{9D8B030D-6E8A-4147-A177-3AD203B41FA5}">
+                      <a16:colId xmlns:a16="http://schemas.microsoft.com/office/drawing/2014/main" val="20003"/>
+                    </a:ext>
+                  </a:extLst>
+                </a:gridCol>
               </a:tblGrid>
               <a:tr h="367665">
                 <a:tc>
                   <a:txBody>
                     <a:bodyPr/>
+                    <a:lstStyle/>
                     <a:p>
                       <a:pPr>
                         <a:buNone/>
@@ -3649,14 +3696,14 @@
                         <a:rPr lang="en-US" altLang="zh-CN" sz="1600"/>
                         <a:t>Chemical</a:t>
                       </a:r>
-                      <a:endParaRPr lang="en-US" altLang="zh-CN" sz="1600"/>
-                    </a:p>
-                  </a:txBody>
-                  <a:tcPr/>
-                </a:tc>
-                <a:tc>
-                  <a:txBody>
-                    <a:bodyPr/>
+                    </a:p>
+                  </a:txBody>
+                  <a:tcPr/>
+                </a:tc>
+                <a:tc>
+                  <a:txBody>
+                    <a:bodyPr/>
+                    <a:lstStyle/>
                     <a:p>
                       <a:pPr>
                         <a:buNone/>
@@ -3665,14 +3712,14 @@
                         <a:rPr lang="en-US" altLang="zh-CN" sz="1600"/>
                         <a:t>H-</a:t>
                       </a:r>
-                      <a:endParaRPr lang="en-US" altLang="zh-CN" sz="1600"/>
-                    </a:p>
-                  </a:txBody>
-                  <a:tcPr/>
-                </a:tc>
-                <a:tc>
-                  <a:txBody>
-                    <a:bodyPr/>
+                    </a:p>
+                  </a:txBody>
+                  <a:tcPr/>
+                </a:tc>
+                <a:tc>
+                  <a:txBody>
+                    <a:bodyPr/>
+                    <a:lstStyle/>
                     <a:p>
                       <a:pPr>
                         <a:buNone/>
@@ -3681,14 +3728,14 @@
                         <a:rPr lang="en-US" altLang="zh-CN" sz="1600"/>
                         <a:t>O-</a:t>
                       </a:r>
-                      <a:endParaRPr lang="en-US" altLang="zh-CN" sz="1600"/>
-                    </a:p>
-                  </a:txBody>
-                  <a:tcPr/>
-                </a:tc>
-                <a:tc>
-                  <a:txBody>
-                    <a:bodyPr/>
+                    </a:p>
+                  </a:txBody>
+                  <a:tcPr/>
+                </a:tc>
+                <a:tc>
+                  <a:txBody>
+                    <a:bodyPr/>
+                    <a:lstStyle/>
                     <a:p>
                       <a:pPr>
                         <a:buNone/>
@@ -3697,86 +3744,96 @@
                         <a:rPr lang="en-US" altLang="zh-CN" sz="1600"/>
                         <a:t>OH-</a:t>
                       </a:r>
-                      <a:endParaRPr lang="en-US" altLang="zh-CN" sz="1600"/>
-                    </a:p>
-                  </a:txBody>
-                  <a:tcPr/>
-                </a:tc>
+                    </a:p>
+                  </a:txBody>
+                  <a:tcPr/>
+                </a:tc>
+                <a:extLst>
+                  <a:ext uri="{0D108BD9-81ED-4DB2-BD59-A6C34878D82A}">
+                    <a16:rowId xmlns:a16="http://schemas.microsoft.com/office/drawing/2014/main" val="10000"/>
+                  </a:ext>
+                </a:extLst>
+              </a:tr>
+              <a:tr h="433141">
+                <a:tc>
+                  <a:txBody>
+                    <a:bodyPr/>
+                    <a:lstStyle/>
+                    <a:p>
+                      <a:pPr>
+                        <a:buNone/>
+                      </a:pPr>
+                      <a:r>
+                        <a:rPr lang="en-US" altLang="zh-CN" sz="1600" dirty="0"/>
+                        <a:t>Model rate </a:t>
+                      </a:r>
+                    </a:p>
+                  </a:txBody>
+                  <a:tcPr/>
+                </a:tc>
+                <a:tc>
+                  <a:txBody>
+                    <a:bodyPr/>
+                    <a:lstStyle/>
+                    <a:p>
+                      <a:pPr>
+                        <a:buNone/>
+                      </a:pPr>
+                      <a:r>
+                        <a:rPr lang="zh-CN" altLang="en-US" sz="1600"/>
+                        <a:t> 3.1</a:t>
+                      </a:r>
+                      <a:r>
+                        <a:rPr lang="en-US" altLang="zh-CN" sz="1600"/>
+                        <a:t>7</a:t>
+                      </a:r>
+                    </a:p>
+                  </a:txBody>
+                  <a:tcPr/>
+                </a:tc>
+                <a:tc>
+                  <a:txBody>
+                    <a:bodyPr/>
+                    <a:lstStyle/>
+                    <a:p>
+                      <a:pPr>
+                        <a:buNone/>
+                      </a:pPr>
+                      <a:r>
+                        <a:rPr lang="en-US" sz="1600" dirty="0"/>
+                        <a:t>1.44</a:t>
+                      </a:r>
+                    </a:p>
+                  </a:txBody>
+                  <a:tcPr/>
+                </a:tc>
+                <a:tc>
+                  <a:txBody>
+                    <a:bodyPr/>
+                    <a:lstStyle/>
+                    <a:p>
+                      <a:pPr>
+                        <a:buNone/>
+                      </a:pPr>
+                      <a:r>
+                        <a:rPr lang="en-US" altLang="zh-CN" sz="1600"/>
+                        <a:t>2.59</a:t>
+                      </a:r>
+                    </a:p>
+                  </a:txBody>
+                  <a:tcPr/>
+                </a:tc>
+                <a:extLst>
+                  <a:ext uri="{0D108BD9-81ED-4DB2-BD59-A6C34878D82A}">
+                    <a16:rowId xmlns:a16="http://schemas.microsoft.com/office/drawing/2014/main" val="10001"/>
+                  </a:ext>
+                </a:extLst>
               </a:tr>
               <a:tr h="367665">
                 <a:tc>
                   <a:txBody>
                     <a:bodyPr/>
-                    <a:p>
-                      <a:pPr>
-                        <a:buNone/>
-                      </a:pPr>
-                      <a:r>
-                        <a:rPr lang="en-US" altLang="zh-CN" sz="1600"/>
-                        <a:t>Model rate </a:t>
-                      </a:r>
-                      <a:endParaRPr lang="en-US" altLang="zh-CN" sz="1600"/>
-                    </a:p>
-                  </a:txBody>
-                  <a:tcPr/>
-                </a:tc>
-                <a:tc>
-                  <a:txBody>
-                    <a:bodyPr/>
-                    <a:p>
-                      <a:pPr>
-                        <a:buNone/>
-                      </a:pPr>
-                      <a:r>
-                        <a:rPr lang="zh-CN" altLang="en-US" sz="1600"/>
-                        <a:t> 3.1</a:t>
-                      </a:r>
-                      <a:r>
-                        <a:rPr lang="en-US" altLang="zh-CN" sz="1600"/>
-                        <a:t>7</a:t>
-                      </a:r>
-                      <a:endParaRPr lang="en-US" altLang="zh-CN" sz="1600"/>
-                    </a:p>
-                  </a:txBody>
-                  <a:tcPr/>
-                </a:tc>
-                <a:tc>
-                  <a:txBody>
-                    <a:bodyPr/>
-                    <a:p>
-                      <a:pPr>
-                        <a:buNone/>
-                      </a:pPr>
-                      <a:r>
-                        <a:rPr lang="en-US" sz="1600"/>
-                        <a:t>1.44</a:t>
-                      </a:r>
-                      <a:endParaRPr lang="en-US" sz="1600"/>
-                    </a:p>
-                  </a:txBody>
-                  <a:tcPr/>
-                </a:tc>
-                <a:tc>
-                  <a:txBody>
-                    <a:bodyPr/>
-                    <a:p>
-                      <a:pPr>
-                        <a:buNone/>
-                      </a:pPr>
-                      <a:r>
-                        <a:rPr lang="en-US" altLang="zh-CN" sz="1600"/>
-                        <a:t>2.59</a:t>
-                      </a:r>
-                      <a:endParaRPr lang="en-US" altLang="zh-CN" sz="1600"/>
-                    </a:p>
-                  </a:txBody>
-                  <a:tcPr/>
-                </a:tc>
-              </a:tr>
-              <a:tr h="367665">
-                <a:tc>
-                  <a:txBody>
-                    <a:bodyPr/>
+                    <a:lstStyle/>
                     <a:p>
                       <a:pPr>
                         <a:buNone/>
@@ -3785,14 +3842,14 @@
                         <a:rPr lang="en-US" altLang="zh-CN" sz="1600"/>
                         <a:t>Actual  rate</a:t>
                       </a:r>
-                      <a:endParaRPr lang="en-US" altLang="zh-CN" sz="1600"/>
-                    </a:p>
-                  </a:txBody>
-                  <a:tcPr/>
-                </a:tc>
-                <a:tc>
-                  <a:txBody>
-                    <a:bodyPr/>
+                    </a:p>
+                  </a:txBody>
+                  <a:tcPr/>
+                </a:tc>
+                <a:tc>
+                  <a:txBody>
+                    <a:bodyPr/>
+                    <a:lstStyle/>
                     <a:p>
                       <a:pPr>
                         <a:buNone/>
@@ -3801,43 +3858,47 @@
                         <a:rPr lang="en-US" altLang="zh-CN" sz="1600"/>
                         <a:t>14.2</a:t>
                       </a:r>
-                      <a:endParaRPr lang="en-US" altLang="zh-CN" sz="1600"/>
-                    </a:p>
-                  </a:txBody>
-                  <a:tcPr/>
-                </a:tc>
-                <a:tc>
-                  <a:txBody>
-                    <a:bodyPr/>
-                    <a:p>
-                      <a:pPr>
-                        <a:buNone/>
-                      </a:pPr>
-                      <a:r>
-                        <a:rPr lang="en-US" altLang="en-US" sz="1600"/>
+                    </a:p>
+                  </a:txBody>
+                  <a:tcPr/>
+                </a:tc>
+                <a:tc>
+                  <a:txBody>
+                    <a:bodyPr/>
+                    <a:lstStyle/>
+                    <a:p>
+                      <a:pPr>
+                        <a:buNone/>
+                      </a:pPr>
+                      <a:r>
+                        <a:rPr lang="en-US" altLang="en-US" sz="1600" dirty="0"/>
                         <a:t>1.77</a:t>
                       </a:r>
-                      <a:endParaRPr lang="en-US" altLang="en-US" sz="1600"/>
-                    </a:p>
-                  </a:txBody>
-                  <a:tcPr/>
-                </a:tc>
-                <a:tc>
-                  <a:txBody>
-                    <a:bodyPr/>
-                    <a:p>
-                      <a:pPr>
-                        <a:buNone/>
-                      </a:pPr>
-                      <a:r>
-                        <a:rPr lang="en-US" altLang="zh-CN" sz="1600"/>
+                    </a:p>
+                  </a:txBody>
+                  <a:tcPr/>
+                </a:tc>
+                <a:tc>
+                  <a:txBody>
+                    <a:bodyPr/>
+                    <a:lstStyle/>
+                    <a:p>
+                      <a:pPr>
+                        <a:buNone/>
+                      </a:pPr>
+                      <a:r>
+                        <a:rPr lang="en-US" altLang="zh-CN" sz="1600" dirty="0"/>
                         <a:t>0.86</a:t>
                       </a:r>
-                      <a:endParaRPr lang="en-US" altLang="zh-CN" sz="1600"/>
-                    </a:p>
-                  </a:txBody>
-                  <a:tcPr/>
-                </a:tc>
+                    </a:p>
+                  </a:txBody>
+                  <a:tcPr/>
+                </a:tc>
+                <a:extLst>
+                  <a:ext uri="{0D108BD9-81ED-4DB2-BD59-A6C34878D82A}">
+                    <a16:rowId xmlns:a16="http://schemas.microsoft.com/office/drawing/2014/main" val="10002"/>
+                  </a:ext>
+                </a:extLst>
               </a:tr>
             </a:tbl>
           </a:graphicData>
@@ -3860,11 +3921,20 @@
         <p:cNvGrpSpPr/>
         <p:nvPr/>
       </p:nvGrpSpPr>
-      <p:grpSpPr/>
+      <p:grpSpPr>
+        <a:xfrm>
+          <a:off x="0" y="0"/>
+          <a:ext cx="0" cy="0"/>
+          <a:chOff x="0" y="0"/>
+          <a:chExt cx="0" cy="0"/>
+        </a:xfrm>
+      </p:grpSpPr>
       <p:graphicFrame>
         <p:nvGraphicFramePr>
           <p:cNvPr id="7" name="内容占位符 6"/>
-          <p:cNvGraphicFramePr/>
+          <p:cNvGraphicFramePr>
+            <a:graphicFrameLocks noGrp="1"/>
+          </p:cNvGraphicFramePr>
           <p:nvPr>
             <p:ph idx="1"/>
           </p:nvPr>
@@ -3880,18 +3950,61 @@
                 <a:tableStyleId>{5C22544A-7EE6-4342-B048-85BDC9FD1C3A}</a:tableStyleId>
               </a:tblPr>
               <a:tblGrid>
-                <a:gridCol w="1502229"/>
-                <a:gridCol w="1502228"/>
-                <a:gridCol w="1502229"/>
-                <a:gridCol w="1502228"/>
-                <a:gridCol w="1502229"/>
-                <a:gridCol w="1502228"/>
-                <a:gridCol w="1502229"/>
+                <a:gridCol w="1502229">
+                  <a:extLst>
+                    <a:ext uri="{9D8B030D-6E8A-4147-A177-3AD203B41FA5}">
+                      <a16:colId xmlns:a16="http://schemas.microsoft.com/office/drawing/2014/main" val="20000"/>
+                    </a:ext>
+                  </a:extLst>
+                </a:gridCol>
+                <a:gridCol w="1502228">
+                  <a:extLst>
+                    <a:ext uri="{9D8B030D-6E8A-4147-A177-3AD203B41FA5}">
+                      <a16:colId xmlns:a16="http://schemas.microsoft.com/office/drawing/2014/main" val="20001"/>
+                    </a:ext>
+                  </a:extLst>
+                </a:gridCol>
+                <a:gridCol w="1502229">
+                  <a:extLst>
+                    <a:ext uri="{9D8B030D-6E8A-4147-A177-3AD203B41FA5}">
+                      <a16:colId xmlns:a16="http://schemas.microsoft.com/office/drawing/2014/main" val="20002"/>
+                    </a:ext>
+                  </a:extLst>
+                </a:gridCol>
+                <a:gridCol w="1502228">
+                  <a:extLst>
+                    <a:ext uri="{9D8B030D-6E8A-4147-A177-3AD203B41FA5}">
+                      <a16:colId xmlns:a16="http://schemas.microsoft.com/office/drawing/2014/main" val="20003"/>
+                    </a:ext>
+                  </a:extLst>
+                </a:gridCol>
+                <a:gridCol w="1502229">
+                  <a:extLst>
+                    <a:ext uri="{9D8B030D-6E8A-4147-A177-3AD203B41FA5}">
+                      <a16:colId xmlns:a16="http://schemas.microsoft.com/office/drawing/2014/main" val="20004"/>
+                    </a:ext>
+                  </a:extLst>
+                </a:gridCol>
+                <a:gridCol w="1502228">
+                  <a:extLst>
+                    <a:ext uri="{9D8B030D-6E8A-4147-A177-3AD203B41FA5}">
+                      <a16:colId xmlns:a16="http://schemas.microsoft.com/office/drawing/2014/main" val="20005"/>
+                    </a:ext>
+                  </a:extLst>
+                </a:gridCol>
+                <a:gridCol w="1502229">
+                  <a:extLst>
+                    <a:ext uri="{9D8B030D-6E8A-4147-A177-3AD203B41FA5}">
+                      <a16:colId xmlns:a16="http://schemas.microsoft.com/office/drawing/2014/main" val="20006"/>
+                    </a:ext>
+                  </a:extLst>
+                </a:gridCol>
               </a:tblGrid>
               <a:tr h="381000">
                 <a:tc>
                   <a:txBody>
                     <a:bodyPr/>
+                    <a:lstStyle/>
                     <a:p>
                       <a:pPr>
                         <a:buNone/>
@@ -3900,14 +4013,14 @@
                         <a:rPr lang="en-US" altLang="zh-CN"/>
                         <a:t>Chemical</a:t>
                       </a:r>
-                      <a:endParaRPr lang="en-US" altLang="zh-CN"/>
-                    </a:p>
-                  </a:txBody>
-                  <a:tcPr/>
-                </a:tc>
-                <a:tc>
-                  <a:txBody>
-                    <a:bodyPr/>
+                    </a:p>
+                  </a:txBody>
+                  <a:tcPr/>
+                </a:tc>
+                <a:tc>
+                  <a:txBody>
+                    <a:bodyPr/>
+                    <a:lstStyle/>
                     <a:p>
                       <a:pPr>
                         <a:buNone/>
@@ -3916,14 +4029,14 @@
                         <a:rPr lang="en-US" altLang="zh-CN"/>
                         <a:t>H-</a:t>
                       </a:r>
-                      <a:endParaRPr lang="en-US" altLang="zh-CN"/>
-                    </a:p>
-                  </a:txBody>
-                  <a:tcPr/>
-                </a:tc>
-                <a:tc>
-                  <a:txBody>
-                    <a:bodyPr/>
+                    </a:p>
+                  </a:txBody>
+                  <a:tcPr/>
+                </a:tc>
+                <a:tc>
+                  <a:txBody>
+                    <a:bodyPr/>
+                    <a:lstStyle/>
                     <a:p>
                       <a:pPr>
                         <a:buNone/>
@@ -3932,14 +4045,14 @@
                         <a:rPr lang="en-US" altLang="zh-CN"/>
                         <a:t>C-</a:t>
                       </a:r>
-                      <a:endParaRPr lang="en-US" altLang="zh-CN"/>
-                    </a:p>
-                  </a:txBody>
-                  <a:tcPr/>
-                </a:tc>
-                <a:tc>
-                  <a:txBody>
-                    <a:bodyPr/>
+                    </a:p>
+                  </a:txBody>
+                  <a:tcPr/>
+                </a:tc>
+                <a:tc>
+                  <a:txBody>
+                    <a:bodyPr/>
+                    <a:lstStyle/>
                     <a:p>
                       <a:pPr>
                         <a:buNone/>
@@ -3948,14 +4061,14 @@
                         <a:rPr lang="en-US" altLang="zh-CN"/>
                         <a:t>O-</a:t>
                       </a:r>
-                      <a:endParaRPr lang="en-US" altLang="zh-CN"/>
-                    </a:p>
-                  </a:txBody>
-                  <a:tcPr/>
-                </a:tc>
-                <a:tc>
-                  <a:txBody>
-                    <a:bodyPr/>
+                    </a:p>
+                  </a:txBody>
+                  <a:tcPr/>
+                </a:tc>
+                <a:tc>
+                  <a:txBody>
+                    <a:bodyPr/>
+                    <a:lstStyle/>
                     <a:p>
                       <a:pPr>
                         <a:buNone/>
@@ -3964,14 +4077,14 @@
                         <a:rPr lang="en-US" altLang="zh-CN"/>
                         <a:t>F-</a:t>
                       </a:r>
-                      <a:endParaRPr lang="en-US" altLang="zh-CN"/>
-                    </a:p>
-                  </a:txBody>
-                  <a:tcPr/>
-                </a:tc>
-                <a:tc>
-                  <a:txBody>
-                    <a:bodyPr/>
+                    </a:p>
+                  </a:txBody>
+                  <a:tcPr/>
+                </a:tc>
+                <a:tc>
+                  <a:txBody>
+                    <a:bodyPr/>
+                    <a:lstStyle/>
                     <a:p>
                       <a:pPr>
                         <a:buNone/>
@@ -3980,14 +4093,14 @@
                         <a:rPr lang="en-US" altLang="zh-CN"/>
                         <a:t>Si-</a:t>
                       </a:r>
-                      <a:endParaRPr lang="en-US" altLang="zh-CN"/>
-                    </a:p>
-                  </a:txBody>
-                  <a:tcPr/>
-                </a:tc>
-                <a:tc>
-                  <a:txBody>
-                    <a:bodyPr/>
+                    </a:p>
+                  </a:txBody>
+                  <a:tcPr/>
+                </a:tc>
+                <a:tc>
+                  <a:txBody>
+                    <a:bodyPr/>
+                    <a:lstStyle/>
                     <a:p>
                       <a:pPr>
                         <a:buNone/>
@@ -3996,16 +4109,21 @@
                         <a:rPr lang="en-US" altLang="zh-CN"/>
                         <a:t>S-</a:t>
                       </a:r>
-                      <a:endParaRPr lang="en-US" altLang="zh-CN"/>
-                    </a:p>
-                  </a:txBody>
-                  <a:tcPr/>
-                </a:tc>
+                    </a:p>
+                  </a:txBody>
+                  <a:tcPr/>
+                </a:tc>
+                <a:extLst>
+                  <a:ext uri="{0D108BD9-81ED-4DB2-BD59-A6C34878D82A}">
+                    <a16:rowId xmlns:a16="http://schemas.microsoft.com/office/drawing/2014/main" val="10000"/>
+                  </a:ext>
+                </a:extLst>
               </a:tr>
               <a:tr h="391160">
                 <a:tc>
                   <a:txBody>
                     <a:bodyPr/>
+                    <a:lstStyle/>
                     <a:p>
                       <a:pPr>
                         <a:buNone/>
@@ -4014,14 +4132,14 @@
                         <a:rPr lang="en-US" altLang="zh-CN"/>
                         <a:t>Distance (km)</a:t>
                       </a:r>
-                      <a:endParaRPr lang="en-US" altLang="zh-CN"/>
-                    </a:p>
-                  </a:txBody>
-                  <a:tcPr/>
-                </a:tc>
-                <a:tc>
-                  <a:txBody>
-                    <a:bodyPr/>
+                    </a:p>
+                  </a:txBody>
+                  <a:tcPr/>
+                </a:tc>
+                <a:tc>
+                  <a:txBody>
+                    <a:bodyPr/>
+                    <a:lstStyle/>
                     <a:p>
                       <a:pPr>
                         <a:buNone/>
@@ -4040,6 +4158,7 @@
                 <a:tc>
                   <a:txBody>
                     <a:bodyPr/>
+                    <a:lstStyle/>
                     <a:p>
                       <a:pPr>
                         <a:buNone/>
@@ -4058,6 +4177,7 @@
                 <a:tc>
                   <a:txBody>
                     <a:bodyPr/>
+                    <a:lstStyle/>
                     <a:p>
                       <a:pPr>
                         <a:buNone/>
@@ -4074,16 +4194,14 @@
                         </a:rPr>
                         <a:t>3</a:t>
                       </a:r>
-                      <a:endParaRPr lang="en-US" altLang="zh-CN" sz="1800">
-                        <a:sym typeface="+mn-ea"/>
-                      </a:endParaRPr>
-                    </a:p>
-                  </a:txBody>
-                  <a:tcPr/>
-                </a:tc>
-                <a:tc>
-                  <a:txBody>
-                    <a:bodyPr/>
+                    </a:p>
+                  </a:txBody>
+                  <a:tcPr/>
+                </a:tc>
+                <a:tc>
+                  <a:txBody>
+                    <a:bodyPr/>
+                    <a:lstStyle/>
                     <a:p>
                       <a:pPr>
                         <a:buNone/>
@@ -4092,14 +4210,14 @@
                         <a:rPr lang="en-US" altLang="zh-CN"/>
                         <a:t>570</a:t>
                       </a:r>
-                      <a:endParaRPr lang="en-US" altLang="zh-CN"/>
-                    </a:p>
-                  </a:txBody>
-                  <a:tcPr/>
-                </a:tc>
-                <a:tc>
-                  <a:txBody>
-                    <a:bodyPr/>
+                    </a:p>
+                  </a:txBody>
+                  <a:tcPr/>
+                </a:tc>
+                <a:tc>
+                  <a:txBody>
+                    <a:bodyPr/>
+                    <a:lstStyle/>
                     <a:p>
                       <a:pPr>
                         <a:buNone/>
@@ -4116,16 +4234,14 @@
                         </a:rPr>
                         <a:t>90</a:t>
                       </a:r>
-                      <a:endParaRPr lang="en-US" altLang="zh-CN" sz="1800">
-                        <a:sym typeface="+mn-ea"/>
-                      </a:endParaRPr>
-                    </a:p>
-                  </a:txBody>
-                  <a:tcPr/>
-                </a:tc>
-                <a:tc>
-                  <a:txBody>
-                    <a:bodyPr/>
+                    </a:p>
+                  </a:txBody>
+                  <a:tcPr/>
+                </a:tc>
+                <a:tc>
+                  <a:txBody>
+                    <a:bodyPr/>
+                    <a:lstStyle/>
                     <a:p>
                       <a:pPr>
                         <a:buNone/>
@@ -4141,11 +4257,17 @@
                   </a:txBody>
                   <a:tcPr/>
                 </a:tc>
+                <a:extLst>
+                  <a:ext uri="{0D108BD9-81ED-4DB2-BD59-A6C34878D82A}">
+                    <a16:rowId xmlns:a16="http://schemas.microsoft.com/office/drawing/2014/main" val="10001"/>
+                  </a:ext>
+                </a:extLst>
               </a:tr>
               <a:tr h="381000">
                 <a:tc>
                   <a:txBody>
                     <a:bodyPr/>
+                    <a:lstStyle/>
                     <a:p>
                       <a:pPr>
                         <a:buNone/>
@@ -4154,14 +4276,14 @@
                         <a:rPr lang="en-US" altLang="zh-CN"/>
                         <a:t>Chemical</a:t>
                       </a:r>
-                      <a:endParaRPr lang="en-US" altLang="zh-CN"/>
-                    </a:p>
-                  </a:txBody>
-                  <a:tcPr/>
-                </a:tc>
-                <a:tc>
-                  <a:txBody>
-                    <a:bodyPr/>
+                    </a:p>
+                  </a:txBody>
+                  <a:tcPr/>
+                </a:tc>
+                <a:tc>
+                  <a:txBody>
+                    <a:bodyPr/>
+                    <a:lstStyle/>
                     <a:p>
                       <a:pPr>
                         <a:buNone/>
@@ -4170,14 +4292,14 @@
                         <a:rPr lang="en-US" altLang="zh-CN"/>
                         <a:t>Cl-</a:t>
                       </a:r>
-                      <a:endParaRPr lang="en-US" altLang="zh-CN"/>
-                    </a:p>
-                  </a:txBody>
-                  <a:tcPr/>
-                </a:tc>
-                <a:tc>
-                  <a:txBody>
-                    <a:bodyPr/>
+                    </a:p>
+                  </a:txBody>
+                  <a:tcPr/>
+                </a:tc>
+                <a:tc>
+                  <a:txBody>
+                    <a:bodyPr/>
+                    <a:lstStyle/>
                     <a:p>
                       <a:pPr>
                         <a:buNone/>
@@ -4186,14 +4308,14 @@
                         <a:rPr lang="en-US" altLang="zh-CN"/>
                         <a:t>Br-</a:t>
                       </a:r>
-                      <a:endParaRPr lang="en-US" altLang="zh-CN"/>
-                    </a:p>
-                  </a:txBody>
-                  <a:tcPr/>
-                </a:tc>
-                <a:tc>
-                  <a:txBody>
-                    <a:bodyPr/>
+                    </a:p>
+                  </a:txBody>
+                  <a:tcPr/>
+                </a:tc>
+                <a:tc>
+                  <a:txBody>
+                    <a:bodyPr/>
+                    <a:lstStyle/>
                     <a:p>
                       <a:pPr>
                         <a:buNone/>
@@ -4202,14 +4324,14 @@
                         <a:rPr lang="en-US" altLang="zh-CN"/>
                         <a:t>I-</a:t>
                       </a:r>
-                      <a:endParaRPr lang="en-US" altLang="zh-CN"/>
-                    </a:p>
-                  </a:txBody>
-                  <a:tcPr/>
-                </a:tc>
-                <a:tc>
-                  <a:txBody>
-                    <a:bodyPr/>
+                    </a:p>
+                  </a:txBody>
+                  <a:tcPr/>
+                </a:tc>
+                <a:tc>
+                  <a:txBody>
+                    <a:bodyPr/>
+                    <a:lstStyle/>
                     <a:p>
                       <a:pPr>
                         <a:buNone/>
@@ -4218,14 +4340,14 @@
                         <a:rPr lang="en-US" altLang="zh-CN"/>
                         <a:t>OH-</a:t>
                       </a:r>
-                      <a:endParaRPr lang="en-US" altLang="zh-CN"/>
-                    </a:p>
-                  </a:txBody>
-                  <a:tcPr/>
-                </a:tc>
-                <a:tc>
-                  <a:txBody>
-                    <a:bodyPr/>
+                    </a:p>
+                  </a:txBody>
+                  <a:tcPr/>
+                </a:tc>
+                <a:tc>
+                  <a:txBody>
+                    <a:bodyPr/>
+                    <a:lstStyle/>
                     <a:p>
                       <a:pPr>
                         <a:buNone/>
@@ -4234,14 +4356,14 @@
                         <a:rPr lang="en-US" altLang="zh-CN"/>
                         <a:t>H2O-</a:t>
                       </a:r>
-                      <a:endParaRPr lang="en-US" altLang="zh-CN"/>
-                    </a:p>
-                  </a:txBody>
-                  <a:tcPr/>
-                </a:tc>
-                <a:tc>
-                  <a:txBody>
-                    <a:bodyPr/>
+                    </a:p>
+                  </a:txBody>
+                  <a:tcPr/>
+                </a:tc>
+                <a:tc>
+                  <a:txBody>
+                    <a:bodyPr/>
+                    <a:lstStyle/>
                     <a:p>
                       <a:pPr>
                         <a:buNone/>
@@ -4250,16 +4372,21 @@
                         <a:rPr lang="en-US" altLang="zh-CN"/>
                         <a:t>/</a:t>
                       </a:r>
-                      <a:endParaRPr lang="en-US" altLang="zh-CN"/>
-                    </a:p>
-                  </a:txBody>
-                  <a:tcPr/>
-                </a:tc>
+                    </a:p>
+                  </a:txBody>
+                  <a:tcPr/>
+                </a:tc>
+                <a:extLst>
+                  <a:ext uri="{0D108BD9-81ED-4DB2-BD59-A6C34878D82A}">
+                    <a16:rowId xmlns:a16="http://schemas.microsoft.com/office/drawing/2014/main" val="10002"/>
+                  </a:ext>
+                </a:extLst>
               </a:tr>
               <a:tr h="381000">
                 <a:tc>
                   <a:txBody>
                     <a:bodyPr/>
+                    <a:lstStyle/>
                     <a:p>
                       <a:pPr>
                         <a:buNone/>
@@ -4268,14 +4395,14 @@
                         <a:rPr lang="en-US" altLang="zh-CN"/>
                         <a:t>Distance (km)</a:t>
                       </a:r>
-                      <a:endParaRPr lang="en-US" altLang="zh-CN"/>
-                    </a:p>
-                  </a:txBody>
-                  <a:tcPr/>
-                </a:tc>
-                <a:tc>
-                  <a:txBody>
-                    <a:bodyPr/>
+                    </a:p>
+                  </a:txBody>
+                  <a:tcPr/>
+                </a:tc>
+                <a:tc>
+                  <a:txBody>
+                    <a:bodyPr/>
+                    <a:lstStyle/>
                     <a:p>
                       <a:pPr>
                         <a:buNone/>
@@ -4292,16 +4419,14 @@
                         </a:rPr>
                         <a:t>9</a:t>
                       </a:r>
-                      <a:endParaRPr lang="en-US" altLang="zh-CN" sz="1800">
-                        <a:sym typeface="+mn-ea"/>
-                      </a:endParaRPr>
-                    </a:p>
-                  </a:txBody>
-                  <a:tcPr/>
-                </a:tc>
-                <a:tc>
-                  <a:txBody>
-                    <a:bodyPr/>
+                    </a:p>
+                  </a:txBody>
+                  <a:tcPr/>
+                </a:tc>
+                <a:tc>
+                  <a:txBody>
+                    <a:bodyPr/>
+                    <a:lstStyle/>
                     <a:p>
                       <a:pPr>
                         <a:buNone/>
@@ -4310,14 +4435,14 @@
                         <a:rPr lang="en-US" altLang="zh-CN"/>
                         <a:t>163</a:t>
                       </a:r>
-                      <a:endParaRPr lang="en-US" altLang="zh-CN"/>
-                    </a:p>
-                  </a:txBody>
-                  <a:tcPr/>
-                </a:tc>
-                <a:tc>
-                  <a:txBody>
-                    <a:bodyPr/>
+                    </a:p>
+                  </a:txBody>
+                  <a:tcPr/>
+                </a:tc>
+                <a:tc>
+                  <a:txBody>
+                    <a:bodyPr/>
+                    <a:lstStyle/>
                     <a:p>
                       <a:pPr>
                         <a:buNone/>
@@ -4326,14 +4451,14 @@
                         <a:rPr lang="en-US" altLang="zh-CN"/>
                         <a:t>81.9</a:t>
                       </a:r>
-                      <a:endParaRPr lang="en-US" altLang="zh-CN"/>
-                    </a:p>
-                  </a:txBody>
-                  <a:tcPr/>
-                </a:tc>
-                <a:tc>
-                  <a:txBody>
-                    <a:bodyPr/>
+                    </a:p>
+                  </a:txBody>
+                  <a:tcPr/>
+                </a:tc>
+                <a:tc>
+                  <a:txBody>
+                    <a:bodyPr/>
+                    <a:lstStyle/>
                     <a:p>
                       <a:pPr>
                         <a:buNone/>
@@ -4342,14 +4467,14 @@
                         <a:rPr lang="en-US" altLang="zh-CN"/>
                         <a:t>46.0</a:t>
                       </a:r>
-                      <a:endParaRPr lang="en-US" altLang="zh-CN"/>
-                    </a:p>
-                  </a:txBody>
-                  <a:tcPr/>
-                </a:tc>
-                <a:tc>
-                  <a:txBody>
-                    <a:bodyPr/>
+                    </a:p>
+                  </a:txBody>
+                  <a:tcPr/>
+                </a:tc>
+                <a:tc>
+                  <a:txBody>
+                    <a:bodyPr/>
+                    <a:lstStyle/>
                     <a:p>
                       <a:pPr>
                         <a:buNone/>
@@ -4358,27 +4483,31 @@
                         <a:rPr lang="en-US" altLang="zh-CN"/>
                         <a:t>652</a:t>
                       </a:r>
-                      <a:endParaRPr lang="en-US" altLang="zh-CN"/>
-                    </a:p>
-                  </a:txBody>
-                  <a:tcPr/>
-                </a:tc>
-                <a:tc>
-                  <a:txBody>
-                    <a:bodyPr/>
-                    <a:p>
-                      <a:pPr>
-                        <a:buNone/>
-                      </a:pPr>
-                      <a:r>
-                        <a:rPr lang="en-US" altLang="zh-CN"/>
+                    </a:p>
+                  </a:txBody>
+                  <a:tcPr/>
+                </a:tc>
+                <a:tc>
+                  <a:txBody>
+                    <a:bodyPr/>
+                    <a:lstStyle/>
+                    <a:p>
+                      <a:pPr>
+                        <a:buNone/>
+                      </a:pPr>
+                      <a:r>
+                        <a:rPr lang="en-US" altLang="zh-CN" dirty="0"/>
                         <a:t>/</a:t>
                       </a:r>
-                      <a:endParaRPr lang="en-US" altLang="zh-CN"/>
-                    </a:p>
-                  </a:txBody>
-                  <a:tcPr/>
-                </a:tc>
+                    </a:p>
+                  </a:txBody>
+                  <a:tcPr/>
+                </a:tc>
+                <a:extLst>
+                  <a:ext uri="{0D108BD9-81ED-4DB2-BD59-A6C34878D82A}">
+                    <a16:rowId xmlns:a16="http://schemas.microsoft.com/office/drawing/2014/main" val="10003"/>
+                  </a:ext>
+                </a:extLst>
               </a:tr>
             </a:tbl>
           </a:graphicData>
@@ -4429,7 +4558,6 @@
               <a:rPr lang="en-US" altLang="zh-CN"/>
               <a:t>Average distance the chemicals can go</a:t>
             </a:r>
-            <a:endParaRPr lang="en-US" altLang="zh-CN"/>
           </a:p>
         </p:txBody>
       </p:sp>
@@ -4450,7 +4578,14 @@
         <p:cNvGrpSpPr/>
         <p:nvPr/>
       </p:nvGrpSpPr>
-      <p:grpSpPr/>
+      <p:grpSpPr>
+        <a:xfrm>
+          <a:off x="0" y="0"/>
+          <a:ext cx="0" cy="0"/>
+          <a:chOff x="0" y="0"/>
+          <a:chExt cx="0" cy="0"/>
+        </a:xfrm>
+      </p:grpSpPr>
       <p:pic>
         <p:nvPicPr>
           <p:cNvPr id="4" name="图片 3" descr="tmp2distance"/>
@@ -4460,7 +4595,7 @@
           <p:nvPr/>
         </p:nvPicPr>
         <p:blipFill>
-          <a:blip r:embed="rId1"/>
+          <a:blip r:embed="rId2"/>
           <a:stretch>
             <a:fillRect/>
           </a:stretch>
@@ -4484,7 +4619,7 @@
           <p:nvPr/>
         </p:nvPicPr>
         <p:blipFill>
-          <a:blip r:embed="rId2"/>
+          <a:blip r:embed="rId3"/>
           <a:stretch>
             <a:fillRect/>
           </a:stretch>
@@ -4517,6 +4652,7 @@
         </p:spPr>
         <p:txBody>
           <a:bodyPr/>
+          <a:lstStyle/>
           <a:p>
             <a:r>
               <a:rPr lang="en-US" altLang="zh-CN" sz="3200">
@@ -4546,32 +4682,30 @@
         </p:spPr>
         <p:txBody>
           <a:bodyPr/>
-          <a:p>
-            <a:r>
-              <a:rPr lang="en-US" altLang="zh-CN" sz="1600"/>
+          <a:lstStyle/>
+          <a:p>
+            <a:r>
+              <a:rPr lang="en-US" altLang="zh-CN" sz="1600" dirty="0"/>
               <a:t>Data for temperature: Wilson 2008 Fig.7</a:t>
             </a:r>
-            <a:endParaRPr lang="en-US" altLang="zh-CN" sz="1600"/>
-          </a:p>
-          <a:p>
-            <a:r>
-              <a:rPr lang="en-US" altLang="zh-CN" sz="1600"/>
+          </a:p>
+          <a:p>
+            <a:r>
+              <a:rPr lang="en-US" altLang="zh-CN" sz="1600" dirty="0"/>
               <a:t>Calculation of rates: Equation (3), Miller 2012.</a:t>
             </a:r>
-            <a:endParaRPr lang="en-US" altLang="zh-CN" sz="1600"/>
-          </a:p>
-          <a:p>
-            <a:endParaRPr lang="en-US" altLang="zh-CN" sz="1600"/>
-          </a:p>
-          <a:p>
-            <a:r>
-              <a:rPr lang="en-US" altLang="zh-CN" sz="1600"/>
+          </a:p>
+          <a:p>
+            <a:endParaRPr lang="en-US" altLang="zh-CN" sz="1600" dirty="0"/>
+          </a:p>
+          <a:p>
+            <a:r>
+              <a:rPr lang="en-US" altLang="zh-CN" sz="1600" dirty="0"/>
               <a:t>k is proportional to T^-1.1.</a:t>
             </a:r>
-            <a:endParaRPr lang="en-US" altLang="zh-CN" sz="1600"/>
-          </a:p>
-          <a:p>
-            <a:endParaRPr lang="en-US" altLang="zh-CN" sz="1600"/>
+          </a:p>
+          <a:p>
+            <a:endParaRPr lang="en-US" altLang="zh-CN" sz="1600" dirty="0"/>
           </a:p>
         </p:txBody>
       </p:sp>
@@ -4592,19 +4726,26 @@
         <p:cNvGrpSpPr/>
         <p:nvPr/>
       </p:nvGrpSpPr>
-      <p:grpSpPr/>
+      <p:grpSpPr>
+        <a:xfrm>
+          <a:off x="0" y="0"/>
+          <a:ext cx="0" cy="0"/>
+          <a:chOff x="0" y="0"/>
+          <a:chExt cx="0" cy="0"/>
+        </a:xfrm>
+      </p:grpSpPr>
       <p:pic>
         <p:nvPicPr>
           <p:cNvPr id="9" name="内容占位符 8" descr="rate_list"/>
           <p:cNvPicPr>
-            <a:picLocks noChangeAspect="1"/>
+            <a:picLocks noGrp="1" noChangeAspect="1"/>
           </p:cNvPicPr>
           <p:nvPr>
             <p:ph idx="1"/>
           </p:nvPr>
         </p:nvPicPr>
         <p:blipFill>
-          <a:blip r:embed="rId1"/>
+          <a:blip r:embed="rId2"/>
           <a:stretch>
             <a:fillRect/>
           </a:stretch>
@@ -4637,6 +4778,7 @@
         </p:spPr>
         <p:txBody>
           <a:bodyPr/>
+          <a:lstStyle/>
           <a:p>
             <a:r>
               <a:rPr lang="en-US" altLang="zh-CN" sz="3200">
@@ -4668,26 +4810,24 @@
           <a:bodyPr>
             <a:normAutofit/>
           </a:bodyPr>
+          <a:lstStyle/>
           <a:p>
             <a:r>
               <a:rPr lang="en-US" altLang="zh-CN" sz="1600"/>
               <a:t>Method:  </a:t>
             </a:r>
-            <a:endParaRPr lang="en-US" altLang="zh-CN" sz="1600"/>
           </a:p>
           <a:p>
             <a:r>
               <a:rPr lang="en-US" altLang="zh-CN" sz="1600"/>
               <a:t>kMN = 3.2×10−8*(T/300)^(−1.1)×μ^(−0.01)*Ea^(−0.04)</a:t>
             </a:r>
-            <a:endParaRPr lang="en-US" altLang="zh-CN" sz="1600"/>
           </a:p>
           <a:p>
             <a:r>
               <a:rPr lang="en-US" altLang="zh-CN" sz="1600"/>
               <a:t>For a diatomic anions, approximate monotomic anions</a:t>
             </a:r>
-            <a:endParaRPr lang="en-US" altLang="zh-CN" sz="1600"/>
           </a:p>
         </p:txBody>
       </p:sp>
@@ -4708,7 +4848,14 @@
         <p:cNvGrpSpPr/>
         <p:nvPr/>
       </p:nvGrpSpPr>
-      <p:grpSpPr/>
+      <p:grpSpPr>
+        <a:xfrm>
+          <a:off x="0" y="0"/>
+          <a:ext cx="0" cy="0"/>
+          <a:chOff x="0" y="0"/>
+          <a:chExt cx="0" cy="0"/>
+        </a:xfrm>
+      </p:grpSpPr>
       <p:sp>
         <p:nvSpPr>
           <p:cNvPr id="2" name="标题 1"/>
@@ -4722,12 +4869,12 @@
         <p:spPr/>
         <p:txBody>
           <a:bodyPr/>
+          <a:lstStyle/>
           <a:p>
             <a:r>
               <a:rPr lang="en-US" altLang="zh-CN"/>
               <a:t>1st Week (5.10-17)</a:t>
             </a:r>
-            <a:endParaRPr lang="en-US" altLang="zh-CN"/>
           </a:p>
         </p:txBody>
       </p:sp>
@@ -4744,33 +4891,30 @@
         <p:spPr/>
         <p:txBody>
           <a:bodyPr/>
+          <a:lstStyle/>
           <a:p>
             <a:r>
               <a:rPr lang="en-US" altLang="zh-CN"/>
               <a:t>Aim:</a:t>
             </a:r>
-            <a:endParaRPr lang="en-US" altLang="zh-CN"/>
           </a:p>
           <a:p>
             <a:r>
               <a:rPr lang="en-US" altLang="zh-CN"/>
               <a:t>Import solar flux data into Python</a:t>
             </a:r>
-            <a:endParaRPr lang="en-US" altLang="zh-CN"/>
           </a:p>
           <a:p>
             <a:r>
               <a:rPr lang="en-US" altLang="zh-CN"/>
               <a:t>Find cross section for H- </a:t>
             </a:r>
-            <a:endParaRPr lang="en-US" altLang="zh-CN"/>
           </a:p>
           <a:p>
             <a:r>
               <a:rPr lang="en-US" altLang="zh-CN"/>
               <a:t>Reproduce reaction rate of 14 s^-1</a:t>
             </a:r>
-            <a:endParaRPr lang="en-US" altLang="zh-CN"/>
           </a:p>
           <a:p>
             <a:endParaRPr lang="en-US" altLang="zh-CN"/>
@@ -4780,14 +4924,12 @@
               <a:rPr lang="en-US" altLang="zh-CN"/>
               <a:t>In addition:</a:t>
             </a:r>
-            <a:endParaRPr lang="en-US" altLang="zh-CN"/>
           </a:p>
           <a:p>
             <a:r>
               <a:rPr lang="en-US" altLang="zh-CN"/>
               <a:t>Calculation of reaction rates of other anions including Cl-, both at Saturn and on Earth.</a:t>
             </a:r>
-            <a:endParaRPr lang="en-US" altLang="zh-CN"/>
           </a:p>
         </p:txBody>
       </p:sp>
@@ -4808,7 +4950,14 @@
         <p:cNvGrpSpPr/>
         <p:nvPr/>
       </p:nvGrpSpPr>
-      <p:grpSpPr/>
+      <p:grpSpPr>
+        <a:xfrm>
+          <a:off x="0" y="0"/>
+          <a:ext cx="0" cy="0"/>
+          <a:chOff x="0" y="0"/>
+          <a:chExt cx="0" cy="0"/>
+        </a:xfrm>
+      </p:grpSpPr>
       <p:sp>
         <p:nvSpPr>
           <p:cNvPr id="2" name="标题 1"/>
@@ -4827,6 +4976,7 @@
         </p:spPr>
         <p:txBody>
           <a:bodyPr/>
+          <a:lstStyle/>
           <a:p>
             <a:r>
               <a:rPr lang="en-US" altLang="zh-CN">
@@ -4842,14 +4992,14 @@
         <p:nvPicPr>
           <p:cNvPr id="6" name="图片占位符 5" descr="SolarFlux"/>
           <p:cNvPicPr>
-            <a:picLocks noChangeAspect="1"/>
+            <a:picLocks noGrp="1" noChangeAspect="1"/>
           </p:cNvPicPr>
           <p:nvPr>
             <p:ph type="pic" idx="1"/>
           </p:nvPr>
         </p:nvPicPr>
         <p:blipFill>
-          <a:blip r:embed="rId1"/>
+          <a:blip r:embed="rId2"/>
           <a:stretch>
             <a:fillRect/>
           </a:stretch>
@@ -4877,19 +5027,18 @@
         <p:spPr/>
         <p:txBody>
           <a:bodyPr/>
+          <a:lstStyle/>
           <a:p>
             <a:r>
               <a:rPr lang="en-US" altLang="zh-CN"/>
               <a:t>......</a:t>
             </a:r>
-            <a:endParaRPr lang="en-US" altLang="zh-CN"/>
           </a:p>
           <a:p>
             <a:r>
               <a:rPr lang="en-US" altLang="zh-CN"/>
               <a:t>(A on all the diagrams = Angstrom = Å)</a:t>
             </a:r>
-            <a:endParaRPr lang="en-US" altLang="zh-CN"/>
           </a:p>
         </p:txBody>
       </p:sp>
@@ -4938,7 +5087,6 @@
               <a:rPr lang="en-US" altLang="zh-CN"/>
               <a:t>Results</a:t>
             </a:r>
-            <a:endParaRPr lang="en-US" altLang="zh-CN"/>
           </a:p>
         </p:txBody>
       </p:sp>
@@ -4959,7 +5107,14 @@
         <p:cNvGrpSpPr/>
         <p:nvPr/>
       </p:nvGrpSpPr>
-      <p:grpSpPr/>
+      <p:grpSpPr>
+        <a:xfrm>
+          <a:off x="0" y="0"/>
+          <a:ext cx="0" cy="0"/>
+          <a:chOff x="0" y="0"/>
+          <a:chExt cx="0" cy="0"/>
+        </a:xfrm>
+      </p:grpSpPr>
       <p:sp>
         <p:nvSpPr>
           <p:cNvPr id="6" name="标题 5"/>
@@ -4973,12 +5128,12 @@
         <p:spPr/>
         <p:txBody>
           <a:bodyPr/>
+          <a:lstStyle/>
           <a:p>
             <a:r>
               <a:rPr lang="en-US" altLang="zh-CN"/>
               <a:t>Reaction Rate of H-</a:t>
             </a:r>
-            <a:endParaRPr lang="en-US" altLang="zh-CN"/>
           </a:p>
         </p:txBody>
       </p:sp>
@@ -4995,6 +5150,7 @@
         <p:spPr/>
         <p:txBody>
           <a:bodyPr/>
+          <a:lstStyle/>
           <a:p>
             <a:pPr>
               <a:lnSpc>
@@ -5029,7 +5185,6 @@
               <a:rPr lang="en-US" altLang="zh-CN"/>
               <a:t>Rate = 14.1556 s^-1</a:t>
             </a:r>
-            <a:endParaRPr lang="en-US" altLang="zh-CN"/>
           </a:p>
         </p:txBody>
       </p:sp>
@@ -5037,14 +5192,14 @@
         <p:nvPicPr>
           <p:cNvPr id="7" name="图片占位符 6" descr="h-rate"/>
           <p:cNvPicPr>
-            <a:picLocks noChangeAspect="1"/>
+            <a:picLocks noGrp="1" noChangeAspect="1"/>
           </p:cNvPicPr>
           <p:nvPr>
             <p:ph type="pic" idx="1"/>
           </p:nvPr>
         </p:nvPicPr>
         <p:blipFill>
-          <a:blip r:embed="rId1"/>
+          <a:blip r:embed="rId2"/>
           <a:stretch>
             <a:fillRect/>
           </a:stretch>
@@ -5076,7 +5231,14 @@
         <p:cNvGrpSpPr/>
         <p:nvPr/>
       </p:nvGrpSpPr>
-      <p:grpSpPr/>
+      <p:grpSpPr>
+        <a:xfrm>
+          <a:off x="0" y="0"/>
+          <a:ext cx="0" cy="0"/>
+          <a:chOff x="0" y="0"/>
+          <a:chExt cx="0" cy="0"/>
+        </a:xfrm>
+      </p:grpSpPr>
       <p:graphicFrame>
         <p:nvGraphicFramePr>
           <p:cNvPr id="2" name="表格 1"/>
@@ -5094,20 +5256,75 @@
                 <a:tableStyleId>{5C22544A-7EE6-4342-B048-85BDC9FD1C3A}</a:tableStyleId>
               </a:tblPr>
               <a:tblGrid>
-                <a:gridCol w="1865630"/>
-                <a:gridCol w="1036320"/>
-                <a:gridCol w="1029335"/>
-                <a:gridCol w="1360170"/>
-                <a:gridCol w="1144905"/>
-                <a:gridCol w="1061720"/>
-                <a:gridCol w="1160145"/>
-                <a:gridCol w="1316990"/>
-                <a:gridCol w="1116330"/>
+                <a:gridCol w="1865630">
+                  <a:extLst>
+                    <a:ext uri="{9D8B030D-6E8A-4147-A177-3AD203B41FA5}">
+                      <a16:colId xmlns:a16="http://schemas.microsoft.com/office/drawing/2014/main" val="20000"/>
+                    </a:ext>
+                  </a:extLst>
+                </a:gridCol>
+                <a:gridCol w="1036320">
+                  <a:extLst>
+                    <a:ext uri="{9D8B030D-6E8A-4147-A177-3AD203B41FA5}">
+                      <a16:colId xmlns:a16="http://schemas.microsoft.com/office/drawing/2014/main" val="20001"/>
+                    </a:ext>
+                  </a:extLst>
+                </a:gridCol>
+                <a:gridCol w="1029335">
+                  <a:extLst>
+                    <a:ext uri="{9D8B030D-6E8A-4147-A177-3AD203B41FA5}">
+                      <a16:colId xmlns:a16="http://schemas.microsoft.com/office/drawing/2014/main" val="20002"/>
+                    </a:ext>
+                  </a:extLst>
+                </a:gridCol>
+                <a:gridCol w="1360170">
+                  <a:extLst>
+                    <a:ext uri="{9D8B030D-6E8A-4147-A177-3AD203B41FA5}">
+                      <a16:colId xmlns:a16="http://schemas.microsoft.com/office/drawing/2014/main" val="20003"/>
+                    </a:ext>
+                  </a:extLst>
+                </a:gridCol>
+                <a:gridCol w="1144905">
+                  <a:extLst>
+                    <a:ext uri="{9D8B030D-6E8A-4147-A177-3AD203B41FA5}">
+                      <a16:colId xmlns:a16="http://schemas.microsoft.com/office/drawing/2014/main" val="20004"/>
+                    </a:ext>
+                  </a:extLst>
+                </a:gridCol>
+                <a:gridCol w="1061720">
+                  <a:extLst>
+                    <a:ext uri="{9D8B030D-6E8A-4147-A177-3AD203B41FA5}">
+                      <a16:colId xmlns:a16="http://schemas.microsoft.com/office/drawing/2014/main" val="20005"/>
+                    </a:ext>
+                  </a:extLst>
+                </a:gridCol>
+                <a:gridCol w="1160145">
+                  <a:extLst>
+                    <a:ext uri="{9D8B030D-6E8A-4147-A177-3AD203B41FA5}">
+                      <a16:colId xmlns:a16="http://schemas.microsoft.com/office/drawing/2014/main" val="20006"/>
+                    </a:ext>
+                  </a:extLst>
+                </a:gridCol>
+                <a:gridCol w="1316990">
+                  <a:extLst>
+                    <a:ext uri="{9D8B030D-6E8A-4147-A177-3AD203B41FA5}">
+                      <a16:colId xmlns:a16="http://schemas.microsoft.com/office/drawing/2014/main" val="20007"/>
+                    </a:ext>
+                  </a:extLst>
+                </a:gridCol>
+                <a:gridCol w="1116330">
+                  <a:extLst>
+                    <a:ext uri="{9D8B030D-6E8A-4147-A177-3AD203B41FA5}">
+                      <a16:colId xmlns:a16="http://schemas.microsoft.com/office/drawing/2014/main" val="20008"/>
+                    </a:ext>
+                  </a:extLst>
+                </a:gridCol>
               </a:tblGrid>
               <a:tr h="376555">
                 <a:tc>
                   <a:txBody>
                     <a:bodyPr/>
+                    <a:lstStyle/>
                     <a:p>
                       <a:pPr>
                         <a:buNone/>
@@ -5116,14 +5333,14 @@
                         <a:rPr lang="en-US" altLang="zh-CN"/>
                         <a:t>Chemical</a:t>
                       </a:r>
-                      <a:endParaRPr lang="en-US" altLang="zh-CN"/>
-                    </a:p>
-                  </a:txBody>
-                  <a:tcPr/>
-                </a:tc>
-                <a:tc>
-                  <a:txBody>
-                    <a:bodyPr/>
+                    </a:p>
+                  </a:txBody>
+                  <a:tcPr/>
+                </a:tc>
+                <a:tc>
+                  <a:txBody>
+                    <a:bodyPr/>
+                    <a:lstStyle/>
                     <a:p>
                       <a:pPr>
                         <a:buNone/>
@@ -5132,14 +5349,14 @@
                         <a:rPr lang="en-US" altLang="zh-CN"/>
                         <a:t>C-</a:t>
                       </a:r>
-                      <a:endParaRPr lang="en-US" altLang="zh-CN"/>
-                    </a:p>
-                  </a:txBody>
-                  <a:tcPr/>
-                </a:tc>
-                <a:tc>
-                  <a:txBody>
-                    <a:bodyPr/>
+                    </a:p>
+                  </a:txBody>
+                  <a:tcPr/>
+                </a:tc>
+                <a:tc>
+                  <a:txBody>
+                    <a:bodyPr/>
+                    <a:lstStyle/>
                     <a:p>
                       <a:pPr>
                         <a:buNone/>
@@ -5148,14 +5365,14 @@
                         <a:rPr lang="en-US" altLang="zh-CN"/>
                         <a:t>O-</a:t>
                       </a:r>
-                      <a:endParaRPr lang="en-US" altLang="zh-CN"/>
-                    </a:p>
-                  </a:txBody>
-                  <a:tcPr/>
-                </a:tc>
-                <a:tc>
-                  <a:txBody>
-                    <a:bodyPr/>
+                    </a:p>
+                  </a:txBody>
+                  <a:tcPr/>
+                </a:tc>
+                <a:tc>
+                  <a:txBody>
+                    <a:bodyPr/>
+                    <a:lstStyle/>
                     <a:p>
                       <a:pPr>
                         <a:buNone/>
@@ -5164,14 +5381,14 @@
                         <a:rPr lang="en-US" altLang="zh-CN"/>
                         <a:t>F-</a:t>
                       </a:r>
-                      <a:endParaRPr lang="en-US" altLang="zh-CN"/>
-                    </a:p>
-                  </a:txBody>
-                  <a:tcPr/>
-                </a:tc>
-                <a:tc>
-                  <a:txBody>
-                    <a:bodyPr/>
+                    </a:p>
+                  </a:txBody>
+                  <a:tcPr/>
+                </a:tc>
+                <a:tc>
+                  <a:txBody>
+                    <a:bodyPr/>
+                    <a:lstStyle/>
                     <a:p>
                       <a:pPr>
                         <a:buNone/>
@@ -5180,14 +5397,14 @@
                         <a:rPr lang="en-US" altLang="zh-CN"/>
                         <a:t>Si-</a:t>
                       </a:r>
-                      <a:endParaRPr lang="en-US" altLang="zh-CN"/>
-                    </a:p>
-                  </a:txBody>
-                  <a:tcPr/>
-                </a:tc>
-                <a:tc>
-                  <a:txBody>
-                    <a:bodyPr/>
+                    </a:p>
+                  </a:txBody>
+                  <a:tcPr/>
+                </a:tc>
+                <a:tc>
+                  <a:txBody>
+                    <a:bodyPr/>
+                    <a:lstStyle/>
                     <a:p>
                       <a:pPr>
                         <a:buNone/>
@@ -5196,14 +5413,14 @@
                         <a:rPr lang="en-US" altLang="zh-CN"/>
                         <a:t>S-</a:t>
                       </a:r>
-                      <a:endParaRPr lang="en-US" altLang="zh-CN"/>
-                    </a:p>
-                  </a:txBody>
-                  <a:tcPr/>
-                </a:tc>
-                <a:tc>
-                  <a:txBody>
-                    <a:bodyPr/>
+                    </a:p>
+                  </a:txBody>
+                  <a:tcPr/>
+                </a:tc>
+                <a:tc>
+                  <a:txBody>
+                    <a:bodyPr/>
+                    <a:lstStyle/>
                     <a:p>
                       <a:pPr>
                         <a:buNone/>
@@ -5212,14 +5429,14 @@
                         <a:rPr lang="en-US" altLang="zh-CN"/>
                         <a:t>Cl-</a:t>
                       </a:r>
-                      <a:endParaRPr lang="en-US" altLang="zh-CN"/>
-                    </a:p>
-                  </a:txBody>
-                  <a:tcPr/>
-                </a:tc>
-                <a:tc>
-                  <a:txBody>
-                    <a:bodyPr/>
+                    </a:p>
+                  </a:txBody>
+                  <a:tcPr/>
+                </a:tc>
+                <a:tc>
+                  <a:txBody>
+                    <a:bodyPr/>
+                    <a:lstStyle/>
                     <a:p>
                       <a:pPr>
                         <a:buNone/>
@@ -5228,14 +5445,14 @@
                         <a:rPr lang="en-US" altLang="zh-CN"/>
                         <a:t>Br-</a:t>
                       </a:r>
-                      <a:endParaRPr lang="en-US" altLang="zh-CN"/>
-                    </a:p>
-                  </a:txBody>
-                  <a:tcPr/>
-                </a:tc>
-                <a:tc>
-                  <a:txBody>
-                    <a:bodyPr/>
+                    </a:p>
+                  </a:txBody>
+                  <a:tcPr/>
+                </a:tc>
+                <a:tc>
+                  <a:txBody>
+                    <a:bodyPr/>
+                    <a:lstStyle/>
                     <a:p>
                       <a:pPr>
                         <a:buNone/>
@@ -5244,16 +5461,21 @@
                         <a:rPr lang="en-US" altLang="zh-CN"/>
                         <a:t>I-</a:t>
                       </a:r>
-                      <a:endParaRPr lang="en-US" altLang="zh-CN"/>
-                    </a:p>
-                  </a:txBody>
-                  <a:tcPr/>
-                </a:tc>
+                    </a:p>
+                  </a:txBody>
+                  <a:tcPr/>
+                </a:tc>
+                <a:extLst>
+                  <a:ext uri="{0D108BD9-81ED-4DB2-BD59-A6C34878D82A}">
+                    <a16:rowId xmlns:a16="http://schemas.microsoft.com/office/drawing/2014/main" val="10000"/>
+                  </a:ext>
+                </a:extLst>
               </a:tr>
               <a:tr h="640080">
                 <a:tc>
                   <a:txBody>
                     <a:bodyPr/>
+                    <a:lstStyle/>
                     <a:p>
                       <a:pPr>
                         <a:buNone/>
@@ -5262,14 +5484,14 @@
                         <a:rPr lang="en-US" altLang="zh-CN"/>
                         <a:t>Reaction rate at 1 AU (s^-1)</a:t>
                       </a:r>
-                      <a:endParaRPr lang="en-US" altLang="zh-CN"/>
-                    </a:p>
-                  </a:txBody>
-                  <a:tcPr/>
-                </a:tc>
-                <a:tc>
-                  <a:txBody>
-                    <a:bodyPr/>
+                    </a:p>
+                  </a:txBody>
+                  <a:tcPr/>
+                </a:tc>
+                <a:tc>
+                  <a:txBody>
+                    <a:bodyPr/>
+                    <a:lstStyle/>
                     <a:p>
                       <a:pPr>
                         <a:buNone/>
@@ -5278,14 +5500,14 @@
                         <a:rPr lang="zh-CN" altLang="en-US"/>
                         <a:t>3.394</a:t>
                       </a:r>
-                      <a:endParaRPr lang="zh-CN" altLang="en-US"/>
-                    </a:p>
-                  </a:txBody>
-                  <a:tcPr/>
-                </a:tc>
-                <a:tc>
-                  <a:txBody>
-                    <a:bodyPr/>
+                    </a:p>
+                  </a:txBody>
+                  <a:tcPr/>
+                </a:tc>
+                <a:tc>
+                  <a:txBody>
+                    <a:bodyPr/>
+                    <a:lstStyle/>
                     <a:p>
                       <a:pPr>
                         <a:buNone/>
@@ -5294,14 +5516,14 @@
                         <a:rPr lang="en-US" altLang="zh-CN"/>
                         <a:t>1.768</a:t>
                       </a:r>
-                      <a:endParaRPr lang="en-US" altLang="zh-CN"/>
-                    </a:p>
-                  </a:txBody>
-                  <a:tcPr/>
-                </a:tc>
-                <a:tc>
-                  <a:txBody>
-                    <a:bodyPr/>
+                    </a:p>
+                  </a:txBody>
+                  <a:tcPr/>
+                </a:tc>
+                <a:tc>
+                  <a:txBody>
+                    <a:bodyPr/>
+                    <a:lstStyle/>
                     <a:p>
                       <a:pPr>
                         <a:buNone/>
@@ -5314,14 +5536,14 @@
                         <a:rPr lang="en-US" altLang="zh-CN"/>
                         <a:t>8</a:t>
                       </a:r>
-                      <a:endParaRPr lang="en-US" altLang="zh-CN"/>
-                    </a:p>
-                  </a:txBody>
-                  <a:tcPr/>
-                </a:tc>
-                <a:tc>
-                  <a:txBody>
-                    <a:bodyPr/>
+                    </a:p>
+                  </a:txBody>
+                  <a:tcPr/>
+                </a:tc>
+                <a:tc>
+                  <a:txBody>
+                    <a:bodyPr/>
+                    <a:lstStyle/>
                     <a:p>
                       <a:pPr>
                         <a:buNone/>
@@ -5330,14 +5552,14 @@
                         <a:rPr lang="zh-CN" altLang="en-US"/>
                         <a:t>8.047</a:t>
                       </a:r>
-                      <a:endParaRPr lang="zh-CN" altLang="en-US"/>
-                    </a:p>
-                  </a:txBody>
-                  <a:tcPr/>
-                </a:tc>
-                <a:tc>
-                  <a:txBody>
-                    <a:bodyPr/>
+                    </a:p>
+                  </a:txBody>
+                  <a:tcPr/>
+                </a:tc>
+                <a:tc>
+                  <a:txBody>
+                    <a:bodyPr/>
+                    <a:lstStyle/>
                     <a:p>
                       <a:pPr>
                         <a:buNone/>
@@ -5346,14 +5568,14 @@
                         <a:rPr lang="zh-CN" altLang="en-US"/>
                         <a:t>1.556</a:t>
                       </a:r>
-                      <a:endParaRPr lang="zh-CN" altLang="en-US"/>
-                    </a:p>
-                  </a:txBody>
-                  <a:tcPr/>
-                </a:tc>
-                <a:tc>
-                  <a:txBody>
-                    <a:bodyPr/>
+                    </a:p>
+                  </a:txBody>
+                  <a:tcPr/>
+                </a:tc>
+                <a:tc>
+                  <a:txBody>
+                    <a:bodyPr/>
+                    <a:lstStyle/>
                     <a:p>
                       <a:pPr>
                         <a:buNone/>
@@ -5362,14 +5584,14 @@
                         <a:rPr lang="zh-CN" altLang="en-US"/>
                         <a:t>0.1163</a:t>
                       </a:r>
-                      <a:endParaRPr lang="zh-CN" altLang="en-US"/>
-                    </a:p>
-                  </a:txBody>
-                  <a:tcPr/>
-                </a:tc>
-                <a:tc>
-                  <a:txBody>
-                    <a:bodyPr/>
+                    </a:p>
+                  </a:txBody>
+                  <a:tcPr/>
+                </a:tc>
+                <a:tc>
+                  <a:txBody>
+                    <a:bodyPr/>
+                    <a:lstStyle/>
                     <a:p>
                       <a:pPr>
                         <a:buNone/>
@@ -5382,14 +5604,14 @@
                         <a:rPr lang="en-US" altLang="zh-CN"/>
                         <a:t>2</a:t>
                       </a:r>
-                      <a:endParaRPr lang="en-US" altLang="zh-CN"/>
-                    </a:p>
-                  </a:txBody>
-                  <a:tcPr/>
-                </a:tc>
-                <a:tc>
-                  <a:txBody>
-                    <a:bodyPr/>
+                    </a:p>
+                  </a:txBody>
+                  <a:tcPr/>
+                </a:tc>
+                <a:tc>
+                  <a:txBody>
+                    <a:bodyPr/>
+                    <a:lstStyle/>
                     <a:p>
                       <a:pPr>
                         <a:buNone/>
@@ -5398,16 +5620,21 @@
                         <a:rPr lang="zh-CN" altLang="en-US"/>
                         <a:t> 0.4808</a:t>
                       </a:r>
-                      <a:endParaRPr lang="zh-CN" altLang="en-US"/>
-                    </a:p>
-                  </a:txBody>
-                  <a:tcPr/>
-                </a:tc>
+                    </a:p>
+                  </a:txBody>
+                  <a:tcPr/>
+                </a:tc>
+                <a:extLst>
+                  <a:ext uri="{0D108BD9-81ED-4DB2-BD59-A6C34878D82A}">
+                    <a16:rowId xmlns:a16="http://schemas.microsoft.com/office/drawing/2014/main" val="10001"/>
+                  </a:ext>
+                </a:extLst>
               </a:tr>
               <a:tr h="739775">
                 <a:tc>
                   <a:txBody>
                     <a:bodyPr/>
+                    <a:lstStyle/>
                     <a:p>
                       <a:pPr>
                         <a:buNone/>
@@ -5416,7 +5643,6 @@
                         <a:rPr lang="en-US" altLang="zh-CN"/>
                         <a:t>Reaction rate</a:t>
                       </a:r>
-                      <a:endParaRPr lang="en-US" altLang="zh-CN"/>
                     </a:p>
                     <a:p>
                       <a:pPr>
@@ -5440,6 +5666,7 @@
                 <a:tc>
                   <a:txBody>
                     <a:bodyPr/>
+                    <a:lstStyle/>
                     <a:p>
                       <a:pPr>
                         <a:buNone/>
@@ -5448,14 +5675,14 @@
                         <a:rPr lang="zh-CN" altLang="en-US"/>
                         <a:t>0.04121</a:t>
                       </a:r>
-                      <a:endParaRPr lang="zh-CN" altLang="en-US"/>
-                    </a:p>
-                  </a:txBody>
-                  <a:tcPr/>
-                </a:tc>
-                <a:tc>
-                  <a:txBody>
-                    <a:bodyPr/>
+                    </a:p>
+                  </a:txBody>
+                  <a:tcPr/>
+                </a:tc>
+                <a:tc>
+                  <a:txBody>
+                    <a:bodyPr/>
+                    <a:lstStyle/>
                     <a:p>
                       <a:pPr>
                         <a:buNone/>
@@ -5464,14 +5691,14 @@
                         <a:rPr lang="zh-CN" altLang="en-US"/>
                         <a:t>0.02147</a:t>
                       </a:r>
-                      <a:endParaRPr lang="zh-CN" altLang="en-US"/>
-                    </a:p>
-                  </a:txBody>
-                  <a:tcPr/>
-                </a:tc>
-                <a:tc>
-                  <a:txBody>
-                    <a:bodyPr/>
+                    </a:p>
+                  </a:txBody>
+                  <a:tcPr/>
+                </a:tc>
+                <a:tc>
+                  <a:txBody>
+                    <a:bodyPr/>
+                    <a:lstStyle/>
                     <a:p>
                       <a:pPr>
                         <a:buNone/>
@@ -5484,14 +5711,14 @@
                         <a:rPr lang="en-US" altLang="zh-CN"/>
                         <a:t>0</a:t>
                       </a:r>
-                      <a:endParaRPr lang="en-US" altLang="zh-CN"/>
-                    </a:p>
-                  </a:txBody>
-                  <a:tcPr/>
-                </a:tc>
-                <a:tc>
-                  <a:txBody>
-                    <a:bodyPr/>
+                    </a:p>
+                  </a:txBody>
+                  <a:tcPr/>
+                </a:tc>
+                <a:tc>
+                  <a:txBody>
+                    <a:bodyPr/>
+                    <a:lstStyle/>
                     <a:p>
                       <a:pPr>
                         <a:buNone/>
@@ -5504,14 +5731,14 @@
                         <a:rPr lang="en-US" altLang="zh-CN"/>
                         <a:t>2</a:t>
                       </a:r>
-                      <a:endParaRPr lang="en-US" altLang="zh-CN"/>
-                    </a:p>
-                  </a:txBody>
-                  <a:tcPr/>
-                </a:tc>
-                <a:tc>
-                  <a:txBody>
-                    <a:bodyPr/>
+                    </a:p>
+                  </a:txBody>
+                  <a:tcPr/>
+                </a:tc>
+                <a:tc>
+                  <a:txBody>
+                    <a:bodyPr/>
+                    <a:lstStyle/>
                     <a:p>
                       <a:pPr>
                         <a:buNone/>
@@ -5524,14 +5751,14 @@
                         <a:rPr lang="en-US" altLang="zh-CN"/>
                         <a:t>90</a:t>
                       </a:r>
-                      <a:endParaRPr lang="en-US" altLang="zh-CN"/>
-                    </a:p>
-                  </a:txBody>
-                  <a:tcPr/>
-                </a:tc>
-                <a:tc>
-                  <a:txBody>
-                    <a:bodyPr/>
+                    </a:p>
+                  </a:txBody>
+                  <a:tcPr/>
+                </a:tc>
+                <a:tc>
+                  <a:txBody>
+                    <a:bodyPr/>
+                    <a:lstStyle/>
                     <a:p>
                       <a:pPr>
                         <a:buNone/>
@@ -5540,14 +5767,14 @@
                         <a:rPr lang="zh-CN" altLang="en-US"/>
                         <a:t> 0.001412</a:t>
                       </a:r>
-                      <a:endParaRPr lang="zh-CN" altLang="en-US"/>
-                    </a:p>
-                  </a:txBody>
-                  <a:tcPr/>
-                </a:tc>
-                <a:tc>
-                  <a:txBody>
-                    <a:bodyPr/>
+                    </a:p>
+                  </a:txBody>
+                  <a:tcPr/>
+                </a:tc>
+                <a:tc>
+                  <a:txBody>
+                    <a:bodyPr/>
+                    <a:lstStyle/>
                     <a:p>
                       <a:pPr>
                         <a:buNone/>
@@ -5556,14 +5783,14 @@
                         <a:rPr lang="zh-CN" altLang="en-US"/>
                         <a:t> 0.002928</a:t>
                       </a:r>
-                      <a:endParaRPr lang="zh-CN" altLang="en-US"/>
-                    </a:p>
-                  </a:txBody>
-                  <a:tcPr/>
-                </a:tc>
-                <a:tc>
-                  <a:txBody>
-                    <a:bodyPr/>
+                    </a:p>
+                  </a:txBody>
+                  <a:tcPr/>
+                </a:tc>
+                <a:tc>
+                  <a:txBody>
+                    <a:bodyPr/>
+                    <a:lstStyle/>
                     <a:p>
                       <a:pPr>
                         <a:buNone/>
@@ -5572,16 +5799,21 @@
                         <a:rPr lang="zh-CN" altLang="en-US"/>
                         <a:t>0.005838</a:t>
                       </a:r>
-                      <a:endParaRPr lang="zh-CN" altLang="en-US"/>
-                    </a:p>
-                  </a:txBody>
-                  <a:tcPr/>
-                </a:tc>
+                    </a:p>
+                  </a:txBody>
+                  <a:tcPr/>
+                </a:tc>
+                <a:extLst>
+                  <a:ext uri="{0D108BD9-81ED-4DB2-BD59-A6C34878D82A}">
+                    <a16:rowId xmlns:a16="http://schemas.microsoft.com/office/drawing/2014/main" val="10002"/>
+                  </a:ext>
+                </a:extLst>
               </a:tr>
               <a:tr h="739775">
                 <a:tc>
                   <a:txBody>
                     <a:bodyPr/>
+                    <a:lstStyle/>
                     <a:p>
                       <a:pPr>
                         <a:buNone/>
@@ -5590,7 +5822,6 @@
                         <a:rPr lang="en-US" altLang="zh-CN"/>
                         <a:t>Half life </a:t>
                       </a:r>
-                      <a:endParaRPr lang="en-US" altLang="zh-CN"/>
                     </a:p>
                     <a:p>
                       <a:pPr>
@@ -5600,14 +5831,14 @@
                         <a:rPr lang="en-US" altLang="zh-CN"/>
                         <a:t>at Enceladus (s)</a:t>
                       </a:r>
-                      <a:endParaRPr lang="en-US" altLang="zh-CN"/>
-                    </a:p>
-                  </a:txBody>
-                  <a:tcPr/>
-                </a:tc>
-                <a:tc>
-                  <a:txBody>
-                    <a:bodyPr/>
+                    </a:p>
+                  </a:txBody>
+                  <a:tcPr/>
+                </a:tc>
+                <a:tc>
+                  <a:txBody>
+                    <a:bodyPr/>
+                    <a:lstStyle/>
                     <a:p>
                       <a:pPr>
                         <a:buNone/>
@@ -5624,6 +5855,7 @@
                 <a:tc>
                   <a:txBody>
                     <a:bodyPr/>
+                    <a:lstStyle/>
                     <a:p>
                       <a:pPr>
                         <a:buNone/>
@@ -5636,14 +5868,14 @@
                         <a:rPr lang="en-US" altLang="zh-CN"/>
                         <a:t>7</a:t>
                       </a:r>
-                      <a:endParaRPr lang="en-US" altLang="zh-CN"/>
-                    </a:p>
-                  </a:txBody>
-                  <a:tcPr/>
-                </a:tc>
-                <a:tc>
-                  <a:txBody>
-                    <a:bodyPr/>
+                    </a:p>
+                  </a:txBody>
+                  <a:tcPr/>
+                </a:tc>
+                <a:tc>
+                  <a:txBody>
+                    <a:bodyPr/>
+                    <a:lstStyle/>
                     <a:p>
                       <a:pPr>
                         <a:buNone/>
@@ -5660,6 +5892,7 @@
                 <a:tc>
                   <a:txBody>
                     <a:bodyPr/>
+                    <a:lstStyle/>
                     <a:p>
                       <a:pPr>
                         <a:buNone/>
@@ -5668,14 +5901,14 @@
                         <a:rPr lang="zh-CN" altLang="en-US"/>
                         <a:t>10.23</a:t>
                       </a:r>
-                      <a:endParaRPr lang="zh-CN" altLang="en-US"/>
-                    </a:p>
-                  </a:txBody>
-                  <a:tcPr/>
-                </a:tc>
-                <a:tc>
-                  <a:txBody>
-                    <a:bodyPr/>
+                    </a:p>
+                  </a:txBody>
+                  <a:tcPr/>
+                </a:tc>
+                <a:tc>
+                  <a:txBody>
+                    <a:bodyPr/>
+                    <a:lstStyle/>
                     <a:p>
                       <a:pPr>
                         <a:buNone/>
@@ -5692,6 +5925,7 @@
                 <a:tc>
                   <a:txBody>
                     <a:bodyPr/>
+                    <a:lstStyle/>
                     <a:p>
                       <a:pPr>
                         <a:buNone/>
@@ -5700,14 +5934,14 @@
                         <a:rPr lang="zh-CN" altLang="en-US"/>
                         <a:t>708.0</a:t>
                       </a:r>
-                      <a:endParaRPr lang="zh-CN" altLang="en-US"/>
-                    </a:p>
-                  </a:txBody>
-                  <a:tcPr/>
-                </a:tc>
-                <a:tc>
-                  <a:txBody>
-                    <a:bodyPr/>
+                    </a:p>
+                  </a:txBody>
+                  <a:tcPr/>
+                </a:tc>
+                <a:tc>
+                  <a:txBody>
+                    <a:bodyPr/>
+                    <a:lstStyle/>
                     <a:p>
                       <a:pPr>
                         <a:buNone/>
@@ -5716,14 +5950,14 @@
                         <a:rPr lang="zh-CN" altLang="en-US"/>
                         <a:t>341.4</a:t>
                       </a:r>
-                      <a:endParaRPr lang="zh-CN" altLang="en-US"/>
-                    </a:p>
-                  </a:txBody>
-                  <a:tcPr/>
-                </a:tc>
-                <a:tc>
-                  <a:txBody>
-                    <a:bodyPr/>
+                    </a:p>
+                  </a:txBody>
+                  <a:tcPr/>
+                </a:tc>
+                <a:tc>
+                  <a:txBody>
+                    <a:bodyPr/>
+                    <a:lstStyle/>
                     <a:p>
                       <a:pPr>
                         <a:buNone/>
@@ -5736,11 +5970,15 @@
                         <a:rPr lang="en-US" altLang="zh-CN"/>
                         <a:t>3</a:t>
                       </a:r>
-                      <a:endParaRPr lang="en-US" altLang="zh-CN"/>
-                    </a:p>
-                  </a:txBody>
-                  <a:tcPr/>
-                </a:tc>
+                    </a:p>
+                  </a:txBody>
+                  <a:tcPr/>
+                </a:tc>
+                <a:extLst>
+                  <a:ext uri="{0D108BD9-81ED-4DB2-BD59-A6C34878D82A}">
+                    <a16:rowId xmlns:a16="http://schemas.microsoft.com/office/drawing/2014/main" val="10003"/>
+                  </a:ext>
+                </a:extLst>
               </a:tr>
             </a:tbl>
           </a:graphicData>
@@ -5814,7 +6052,14 @@
         <p:cNvGrpSpPr/>
         <p:nvPr/>
       </p:nvGrpSpPr>
-      <p:grpSpPr/>
+      <p:grpSpPr>
+        <a:xfrm>
+          <a:off x="0" y="0"/>
+          <a:ext cx="0" cy="0"/>
+          <a:chOff x="0" y="0"/>
+          <a:chExt cx="0" cy="0"/>
+        </a:xfrm>
+      </p:grpSpPr>
       <p:pic>
         <p:nvPicPr>
           <p:cNvPr id="7" name="图片 6" descr="f-"/>
@@ -5824,7 +6069,7 @@
           <p:nvPr/>
         </p:nvPicPr>
         <p:blipFill>
-          <a:blip r:embed="rId1"/>
+          <a:blip r:embed="rId2"/>
           <a:stretch>
             <a:fillRect/>
           </a:stretch>
@@ -5848,7 +6093,7 @@
           <p:nvPr/>
         </p:nvPicPr>
         <p:blipFill>
-          <a:blip r:embed="rId2"/>
+          <a:blip r:embed="rId3"/>
           <a:stretch>
             <a:fillRect/>
           </a:stretch>
@@ -5872,7 +6117,7 @@
           <p:nvPr/>
         </p:nvPicPr>
         <p:blipFill>
-          <a:blip r:embed="rId3"/>
+          <a:blip r:embed="rId4"/>
           <a:stretch>
             <a:fillRect/>
           </a:stretch>
@@ -5896,7 +6141,7 @@
           <p:nvPr/>
         </p:nvPicPr>
         <p:blipFill>
-          <a:blip r:embed="rId4"/>
+          <a:blip r:embed="rId5"/>
           <a:stretch>
             <a:fillRect/>
           </a:stretch>
@@ -5928,7 +6173,14 @@
         <p:cNvGrpSpPr/>
         <p:nvPr/>
       </p:nvGrpSpPr>
-      <p:grpSpPr/>
+      <p:grpSpPr>
+        <a:xfrm>
+          <a:off x="0" y="0"/>
+          <a:ext cx="0" cy="0"/>
+          <a:chOff x="0" y="0"/>
+          <a:chExt cx="0" cy="0"/>
+        </a:xfrm>
+      </p:grpSpPr>
       <p:pic>
         <p:nvPicPr>
           <p:cNvPr id="5" name="图片 4" descr="br-"/>
@@ -5938,7 +6190,7 @@
           <p:nvPr/>
         </p:nvPicPr>
         <p:blipFill>
-          <a:blip r:embed="rId1"/>
+          <a:blip r:embed="rId2"/>
           <a:stretch>
             <a:fillRect/>
           </a:stretch>
@@ -5962,7 +6214,7 @@
           <p:nvPr/>
         </p:nvPicPr>
         <p:blipFill>
-          <a:blip r:embed="rId2"/>
+          <a:blip r:embed="rId3"/>
           <a:stretch>
             <a:fillRect/>
           </a:stretch>
@@ -5986,7 +6238,7 @@
           <p:nvPr/>
         </p:nvPicPr>
         <p:blipFill>
-          <a:blip r:embed="rId3"/>
+          <a:blip r:embed="rId4"/>
           <a:stretch>
             <a:fillRect/>
           </a:stretch>
@@ -6010,7 +6262,7 @@
           <p:nvPr/>
         </p:nvPicPr>
         <p:blipFill>
-          <a:blip r:embed="rId4"/>
+          <a:blip r:embed="rId5"/>
           <a:stretch>
             <a:fillRect/>
           </a:stretch>
@@ -6042,7 +6294,14 @@
         <p:cNvGrpSpPr/>
         <p:nvPr/>
       </p:nvGrpSpPr>
-      <p:grpSpPr/>
+      <p:grpSpPr>
+        <a:xfrm>
+          <a:off x="0" y="0"/>
+          <a:ext cx="0" cy="0"/>
+          <a:chOff x="0" y="0"/>
+          <a:chExt cx="0" cy="0"/>
+        </a:xfrm>
+      </p:grpSpPr>
       <p:sp>
         <p:nvSpPr>
           <p:cNvPr id="2" name="标题 1"/>
@@ -6056,12 +6315,12 @@
         <p:spPr/>
         <p:txBody>
           <a:bodyPr/>
+          <a:lstStyle/>
           <a:p>
             <a:r>
               <a:rPr lang="en-US" altLang="zh-CN"/>
               <a:t>2nd Week (5.17-24)</a:t>
             </a:r>
-            <a:endParaRPr lang="en-US" altLang="zh-CN"/>
           </a:p>
         </p:txBody>
       </p:sp>
@@ -6078,33 +6337,30 @@
         <p:spPr/>
         <p:txBody>
           <a:bodyPr/>
+          <a:lstStyle/>
           <a:p>
             <a:r>
               <a:rPr lang="en-US" altLang="zh-CN"/>
               <a:t>Aim:</a:t>
             </a:r>
-            <a:endParaRPr lang="en-US" altLang="zh-CN"/>
           </a:p>
           <a:p>
             <a:r>
               <a:rPr lang="en-US" altLang="zh-CN"/>
               <a:t>Half life/rection rate against distance (AU)</a:t>
             </a:r>
-            <a:endParaRPr lang="en-US" altLang="zh-CN"/>
           </a:p>
           <a:p>
             <a:r>
               <a:rPr lang="en-US" altLang="zh-CN"/>
               <a:t>Cross section of OH-, H2O-, H3O- if they exist</a:t>
             </a:r>
-            <a:endParaRPr lang="en-US" altLang="zh-CN"/>
           </a:p>
           <a:p>
             <a:r>
               <a:rPr lang="en-US" altLang="zh-CN"/>
               <a:t>Comparison of results and theory</a:t>
             </a:r>
-            <a:endParaRPr lang="en-US" altLang="zh-CN"/>
           </a:p>
         </p:txBody>
       </p:sp>
@@ -6125,7 +6381,14 @@
         <p:cNvGrpSpPr/>
         <p:nvPr/>
       </p:nvGrpSpPr>
-      <p:grpSpPr/>
+      <p:grpSpPr>
+        <a:xfrm>
+          <a:off x="0" y="0"/>
+          <a:ext cx="0" cy="0"/>
+          <a:chOff x="0" y="0"/>
+          <a:chExt cx="0" cy="0"/>
+        </a:xfrm>
+      </p:grpSpPr>
       <p:sp>
         <p:nvSpPr>
           <p:cNvPr id="2" name="标题 1"/>
@@ -6144,6 +6407,7 @@
         </p:spPr>
         <p:txBody>
           <a:bodyPr/>
+          <a:lstStyle/>
           <a:p>
             <a:r>
               <a:rPr lang="en-US" altLang="zh-CN">
@@ -6173,33 +6437,30 @@
         </p:spPr>
         <p:txBody>
           <a:bodyPr/>
+          <a:lstStyle/>
           <a:p>
             <a:r>
               <a:rPr lang="en-US" altLang="zh-CN"/>
               <a:t>The total reaction rate of H2O- is : </a:t>
             </a:r>
-            <a:endParaRPr lang="en-US" altLang="zh-CN"/>
           </a:p>
           <a:p>
             <a:r>
               <a:rPr lang="en-US" altLang="zh-CN"/>
               <a:t>0.060445 s^-1</a:t>
             </a:r>
-            <a:endParaRPr lang="en-US" altLang="zh-CN"/>
           </a:p>
           <a:p>
             <a:r>
               <a:rPr lang="en-US" altLang="zh-CN"/>
               <a:t>The total reaction rate of OH- is : </a:t>
             </a:r>
-            <a:endParaRPr lang="en-US" altLang="zh-CN"/>
           </a:p>
           <a:p>
             <a:r>
               <a:rPr lang="en-US" altLang="zh-CN"/>
               <a:t>0.856830 s^-1</a:t>
             </a:r>
-            <a:endParaRPr lang="en-US" altLang="zh-CN"/>
           </a:p>
         </p:txBody>
       </p:sp>
@@ -6248,7 +6509,6 @@
               <a:rPr lang="en-US" altLang="zh-CN"/>
               <a:t>Results</a:t>
             </a:r>
-            <a:endParaRPr lang="en-US" altLang="zh-CN"/>
           </a:p>
         </p:txBody>
       </p:sp>
@@ -6256,14 +6516,14 @@
         <p:nvPicPr>
           <p:cNvPr id="6" name="图片占位符 5"/>
           <p:cNvPicPr>
-            <a:picLocks noChangeAspect="1"/>
+            <a:picLocks noGrp="1" noChangeAspect="1"/>
           </p:cNvPicPr>
           <p:nvPr>
             <p:ph type="pic" idx="1"/>
           </p:nvPr>
         </p:nvPicPr>
         <p:blipFill>
-          <a:blip r:embed="rId1"/>
+          <a:blip r:embed="rId2"/>
           <a:stretch>
             <a:fillRect/>
           </a:stretch>
@@ -6287,7 +6547,7 @@
           <p:nvPr/>
         </p:nvPicPr>
         <p:blipFill>
-          <a:blip r:embed="rId2"/>
+          <a:blip r:embed="rId3"/>
           <a:stretch>
             <a:fillRect/>
           </a:stretch>
@@ -6561,6 +6821,8 @@
       </a:bgFillStyleLst>
     </a:fmtScheme>
   </a:themeElements>
+  <a:objectDefaults/>
+  <a:extraClrSchemeLst/>
   <a:extLst>
     <a:ext uri="{05A4C25C-085E-4340-85A3-A5531E510DB2}">
       <thm15:themeFamily xmlns:thm15="http://schemas.microsoft.com/office/thememl/2012/main" name="Office Theme" id="{62F939B6-93AF-4DB8-9C6B-D6C7DFDC589F}" vid="{4A3C46E8-61CC-4603-A589-7422A47A8E4A}"/>
